--- a/c++deep019_基类派生类同名成员与protected.pptx
+++ b/c++deep019_基类派生类同名成员与protected.pptx
@@ -3,10 +3,13 @@
 <p:presentation xmlns:a="http://schemas.openxmlformats.org/drawingml/2006/main" xmlns:p="http://schemas.openxmlformats.org/presentationml/2006/main" xmlns:r="http://schemas.openxmlformats.org/officeDocument/2006/relationships">
   <p:sldMasterIdLst>
     <p:sldMasterId id="2147483648" r:id="rId2"/>
+    <p:sldMasterId id="2147483661" r:id="rId3"/>
   </p:sldMasterIdLst>
   <p:sldIdLst>
-    <p:sldId id="256" r:id="rId3"/>
-    <p:sldId id="257" r:id="rId4"/>
+    <p:sldId id="256" r:id="rId4"/>
+    <p:sldId id="257" r:id="rId5"/>
+    <p:sldId id="258" r:id="rId6"/>
+    <p:sldId id="259" r:id="rId7"/>
   </p:sldIdLst>
   <p:sldSz cx="10080625" cy="7559675"/>
   <p:notesSz cx="7559675" cy="10691812"/>
@@ -54,7 +57,7 @@
       </p:grpSpPr>
       <p:sp>
         <p:nvSpPr>
-          <p:cNvPr id="26" name="PlaceHolder 1"/>
+          <p:cNvPr id="23" name="PlaceHolder 1"/>
           <p:cNvSpPr>
             <a:spLocks noGrp="1"/>
           </p:cNvSpPr>
@@ -65,7 +68,7 @@
         <p:spPr>
           <a:xfrm>
             <a:off x="504000" y="301320"/>
-            <a:ext cx="9071640" cy="1262520"/>
+            <a:ext cx="9071280" cy="1262520"/>
           </a:xfrm>
           <a:prstGeom prst="rect">
             <a:avLst/>
@@ -81,7 +84,7 @@
       </p:sp>
       <p:sp>
         <p:nvSpPr>
-          <p:cNvPr id="27" name="PlaceHolder 2"/>
+          <p:cNvPr id="24" name="PlaceHolder 2"/>
           <p:cNvSpPr>
             <a:spLocks noGrp="1"/>
           </p:cNvSpPr>
@@ -92,33 +95,33 @@
         <p:spPr>
           <a:xfrm>
             <a:off x="504000" y="1769040"/>
-            <a:ext cx="9071640" cy="2091240"/>
-          </a:xfrm>
-          <a:prstGeom prst="rect">
-            <a:avLst/>
-          </a:prstGeom>
-        </p:spPr>
-        <p:txBody>
-          <a:bodyPr lIns="0" rIns="0" tIns="0" bIns="0"/>
-          <a:p>
-            <a:endParaRPr/>
-          </a:p>
-        </p:txBody>
-      </p:sp>
-      <p:sp>
-        <p:nvSpPr>
-          <p:cNvPr id="28" name="PlaceHolder 3"/>
-          <p:cNvSpPr>
-            <a:spLocks noGrp="1"/>
-          </p:cNvSpPr>
-          <p:nvPr>
-            <p:ph type="body"/>
-          </p:nvPr>
-        </p:nvSpPr>
-        <p:spPr>
-          <a:xfrm>
-            <a:off x="504000" y="4059360"/>
-            <a:ext cx="9071640" cy="2091240"/>
+            <a:ext cx="9071280" cy="2090880"/>
+          </a:xfrm>
+          <a:prstGeom prst="rect">
+            <a:avLst/>
+          </a:prstGeom>
+        </p:spPr>
+        <p:txBody>
+          <a:bodyPr lIns="0" rIns="0" tIns="0" bIns="0"/>
+          <a:p>
+            <a:endParaRPr/>
+          </a:p>
+        </p:txBody>
+      </p:sp>
+      <p:sp>
+        <p:nvSpPr>
+          <p:cNvPr id="25" name="PlaceHolder 3"/>
+          <p:cNvSpPr>
+            <a:spLocks noGrp="1"/>
+          </p:cNvSpPr>
+          <p:nvPr>
+            <p:ph type="body"/>
+          </p:nvPr>
+        </p:nvSpPr>
+        <p:spPr>
+          <a:xfrm>
+            <a:off x="504000" y="4059000"/>
+            <a:ext cx="9071280" cy="2090880"/>
           </a:xfrm>
           <a:prstGeom prst="rect">
             <a:avLst/>
@@ -155,7 +158,7 @@
       </p:grpSpPr>
       <p:sp>
         <p:nvSpPr>
-          <p:cNvPr id="29" name="PlaceHolder 1"/>
+          <p:cNvPr id="26" name="PlaceHolder 1"/>
           <p:cNvSpPr>
             <a:spLocks noGrp="1"/>
           </p:cNvSpPr>
@@ -166,7 +169,7 @@
         <p:spPr>
           <a:xfrm>
             <a:off x="504000" y="301320"/>
-            <a:ext cx="9071640" cy="1262520"/>
+            <a:ext cx="9071280" cy="1262520"/>
           </a:xfrm>
           <a:prstGeom prst="rect">
             <a:avLst/>
@@ -182,7 +185,7 @@
       </p:sp>
       <p:sp>
         <p:nvSpPr>
-          <p:cNvPr id="30" name="PlaceHolder 2"/>
+          <p:cNvPr id="27" name="PlaceHolder 2"/>
           <p:cNvSpPr>
             <a:spLocks noGrp="1"/>
           </p:cNvSpPr>
@@ -193,85 +196,85 @@
         <p:spPr>
           <a:xfrm>
             <a:off x="504000" y="1769040"/>
-            <a:ext cx="4426920" cy="2091240"/>
-          </a:xfrm>
-          <a:prstGeom prst="rect">
-            <a:avLst/>
-          </a:prstGeom>
-        </p:spPr>
-        <p:txBody>
-          <a:bodyPr lIns="0" rIns="0" tIns="0" bIns="0"/>
-          <a:p>
-            <a:endParaRPr/>
-          </a:p>
-        </p:txBody>
-      </p:sp>
-      <p:sp>
-        <p:nvSpPr>
-          <p:cNvPr id="31" name="PlaceHolder 3"/>
-          <p:cNvSpPr>
-            <a:spLocks noGrp="1"/>
-          </p:cNvSpPr>
-          <p:nvPr>
-            <p:ph type="body"/>
-          </p:nvPr>
-        </p:nvSpPr>
-        <p:spPr>
-          <a:xfrm>
-            <a:off x="5152680" y="1769040"/>
-            <a:ext cx="4426920" cy="2091240"/>
-          </a:xfrm>
-          <a:prstGeom prst="rect">
-            <a:avLst/>
-          </a:prstGeom>
-        </p:spPr>
-        <p:txBody>
-          <a:bodyPr lIns="0" rIns="0" tIns="0" bIns="0"/>
-          <a:p>
-            <a:endParaRPr/>
-          </a:p>
-        </p:txBody>
-      </p:sp>
-      <p:sp>
-        <p:nvSpPr>
-          <p:cNvPr id="32" name="PlaceHolder 4"/>
-          <p:cNvSpPr>
-            <a:spLocks noGrp="1"/>
-          </p:cNvSpPr>
-          <p:nvPr>
-            <p:ph type="body"/>
-          </p:nvPr>
-        </p:nvSpPr>
-        <p:spPr>
-          <a:xfrm>
-            <a:off x="5152680" y="4059360"/>
-            <a:ext cx="4426920" cy="2091240"/>
-          </a:xfrm>
-          <a:prstGeom prst="rect">
-            <a:avLst/>
-          </a:prstGeom>
-        </p:spPr>
-        <p:txBody>
-          <a:bodyPr lIns="0" rIns="0" tIns="0" bIns="0"/>
-          <a:p>
-            <a:endParaRPr/>
-          </a:p>
-        </p:txBody>
-      </p:sp>
-      <p:sp>
-        <p:nvSpPr>
-          <p:cNvPr id="33" name="PlaceHolder 5"/>
-          <p:cNvSpPr>
-            <a:spLocks noGrp="1"/>
-          </p:cNvSpPr>
-          <p:nvPr>
-            <p:ph type="body"/>
-          </p:nvPr>
-        </p:nvSpPr>
-        <p:spPr>
-          <a:xfrm>
-            <a:off x="504000" y="4059360"/>
-            <a:ext cx="4426920" cy="2091240"/>
+            <a:ext cx="4426560" cy="2090880"/>
+          </a:xfrm>
+          <a:prstGeom prst="rect">
+            <a:avLst/>
+          </a:prstGeom>
+        </p:spPr>
+        <p:txBody>
+          <a:bodyPr lIns="0" rIns="0" tIns="0" bIns="0"/>
+          <a:p>
+            <a:endParaRPr/>
+          </a:p>
+        </p:txBody>
+      </p:sp>
+      <p:sp>
+        <p:nvSpPr>
+          <p:cNvPr id="28" name="PlaceHolder 3"/>
+          <p:cNvSpPr>
+            <a:spLocks noGrp="1"/>
+          </p:cNvSpPr>
+          <p:nvPr>
+            <p:ph type="body"/>
+          </p:nvPr>
+        </p:nvSpPr>
+        <p:spPr>
+          <a:xfrm>
+            <a:off x="5152320" y="1769040"/>
+            <a:ext cx="4426560" cy="2090880"/>
+          </a:xfrm>
+          <a:prstGeom prst="rect">
+            <a:avLst/>
+          </a:prstGeom>
+        </p:spPr>
+        <p:txBody>
+          <a:bodyPr lIns="0" rIns="0" tIns="0" bIns="0"/>
+          <a:p>
+            <a:endParaRPr/>
+          </a:p>
+        </p:txBody>
+      </p:sp>
+      <p:sp>
+        <p:nvSpPr>
+          <p:cNvPr id="29" name="PlaceHolder 4"/>
+          <p:cNvSpPr>
+            <a:spLocks noGrp="1"/>
+          </p:cNvSpPr>
+          <p:nvPr>
+            <p:ph type="body"/>
+          </p:nvPr>
+        </p:nvSpPr>
+        <p:spPr>
+          <a:xfrm>
+            <a:off x="5152320" y="4059000"/>
+            <a:ext cx="4426560" cy="2090880"/>
+          </a:xfrm>
+          <a:prstGeom prst="rect">
+            <a:avLst/>
+          </a:prstGeom>
+        </p:spPr>
+        <p:txBody>
+          <a:bodyPr lIns="0" rIns="0" tIns="0" bIns="0"/>
+          <a:p>
+            <a:endParaRPr/>
+          </a:p>
+        </p:txBody>
+      </p:sp>
+      <p:sp>
+        <p:nvSpPr>
+          <p:cNvPr id="30" name="PlaceHolder 5"/>
+          <p:cNvSpPr>
+            <a:spLocks noGrp="1"/>
+          </p:cNvSpPr>
+          <p:nvPr>
+            <p:ph type="body"/>
+          </p:nvPr>
+        </p:nvSpPr>
+        <p:spPr>
+          <a:xfrm>
+            <a:off x="504000" y="4059000"/>
+            <a:ext cx="4426560" cy="2090880"/>
           </a:xfrm>
           <a:prstGeom prst="rect">
             <a:avLst/>
@@ -308,7 +311,7 @@
       </p:grpSpPr>
       <p:sp>
         <p:nvSpPr>
-          <p:cNvPr id="34" name="PlaceHolder 1"/>
+          <p:cNvPr id="31" name="PlaceHolder 1"/>
           <p:cNvSpPr>
             <a:spLocks noGrp="1"/>
           </p:cNvSpPr>
@@ -319,7 +322,7 @@
         <p:spPr>
           <a:xfrm>
             <a:off x="504000" y="301320"/>
-            <a:ext cx="9071640" cy="1262520"/>
+            <a:ext cx="9071280" cy="1262520"/>
           </a:xfrm>
           <a:prstGeom prst="rect">
             <a:avLst/>
@@ -335,7 +338,7 @@
       </p:sp>
       <p:sp>
         <p:nvSpPr>
-          <p:cNvPr id="35" name="PlaceHolder 2"/>
+          <p:cNvPr id="32" name="PlaceHolder 2"/>
           <p:cNvSpPr>
             <a:spLocks noGrp="1"/>
           </p:cNvSpPr>
@@ -346,22 +349,22 @@
         <p:spPr>
           <a:xfrm>
             <a:off x="504000" y="1769040"/>
-            <a:ext cx="9071640" cy="4384440"/>
-          </a:xfrm>
-          <a:prstGeom prst="rect">
-            <a:avLst/>
-          </a:prstGeom>
-        </p:spPr>
-        <p:txBody>
-          <a:bodyPr lIns="0" rIns="0" tIns="0" bIns="0"/>
-          <a:p>
-            <a:endParaRPr/>
-          </a:p>
-        </p:txBody>
-      </p:sp>
-      <p:sp>
-        <p:nvSpPr>
-          <p:cNvPr id="36" name="PlaceHolder 3"/>
+            <a:ext cx="9071280" cy="4384080"/>
+          </a:xfrm>
+          <a:prstGeom prst="rect">
+            <a:avLst/>
+          </a:prstGeom>
+        </p:spPr>
+        <p:txBody>
+          <a:bodyPr lIns="0" rIns="0" tIns="0" bIns="0"/>
+          <a:p>
+            <a:endParaRPr/>
+          </a:p>
+        </p:txBody>
+      </p:sp>
+      <p:sp>
+        <p:nvSpPr>
+          <p:cNvPr id="33" name="PlaceHolder 3"/>
           <p:cNvSpPr>
             <a:spLocks noGrp="1"/>
           </p:cNvSpPr>
@@ -372,7 +375,7 @@
         <p:spPr>
           <a:xfrm>
             <a:off x="504000" y="1769040"/>
-            <a:ext cx="9071640" cy="4384440"/>
+            <a:ext cx="9071280" cy="4384080"/>
           </a:xfrm>
           <a:prstGeom prst="rect">
             <a:avLst/>
@@ -387,7 +390,7 @@
       </p:sp>
       <p:pic>
         <p:nvPicPr>
-          <p:cNvPr id="37" name="" descr=""/>
+          <p:cNvPr id="34" name="" descr=""/>
           <p:cNvPicPr/>
           <p:nvPr/>
         </p:nvPicPr>
@@ -399,8 +402,8 @@
         </p:blipFill>
         <p:spPr>
           <a:xfrm>
-            <a:off x="2292120" y="1768680"/>
-            <a:ext cx="5495040" cy="4384440"/>
+            <a:off x="2292120" y="1769040"/>
+            <a:ext cx="5494680" cy="4384080"/>
           </a:xfrm>
           <a:prstGeom prst="rect">
             <a:avLst/>
@@ -412,7 +415,7 @@
       </p:pic>
       <p:pic>
         <p:nvPicPr>
-          <p:cNvPr id="38" name="" descr=""/>
+          <p:cNvPr id="35" name="" descr=""/>
           <p:cNvPicPr/>
           <p:nvPr/>
         </p:nvPicPr>
@@ -424,8 +427,8 @@
         </p:blipFill>
         <p:spPr>
           <a:xfrm>
-            <a:off x="2292120" y="1768680"/>
-            <a:ext cx="5495040" cy="4384440"/>
+            <a:off x="2292120" y="1769040"/>
+            <a:ext cx="5494680" cy="4384080"/>
           </a:xfrm>
           <a:prstGeom prst="rect">
             <a:avLst/>
@@ -435,6 +438,505 @@
           </a:ln>
         </p:spPr>
       </p:pic>
+    </p:spTree>
+  </p:cSld>
+</p:sldLayout>
+</file>
+
+<file path=ppt/slideLayouts/slideLayout13.xml><?xml version="1.0" encoding="utf-8"?>
+<p:sldLayout xmlns:a="http://schemas.openxmlformats.org/drawingml/2006/main" xmlns:p="http://schemas.openxmlformats.org/presentationml/2006/main" xmlns:r="http://schemas.openxmlformats.org/officeDocument/2006/relationships" type="blank" preserve="1">
+  <p:cSld name="Blank Slide">
+    <p:spTree>
+      <p:nvGrpSpPr>
+        <p:cNvPr id="1" name=""/>
+        <p:cNvGrpSpPr/>
+        <p:nvPr/>
+      </p:nvGrpSpPr>
+      <p:grpSpPr>
+        <a:xfrm>
+          <a:off x="0" y="0"/>
+          <a:ext cx="0" cy="0"/>
+          <a:chOff x="0" y="0"/>
+          <a:chExt cx="0" cy="0"/>
+        </a:xfrm>
+      </p:grpSpPr>
+    </p:spTree>
+  </p:cSld>
+</p:sldLayout>
+</file>
+
+<file path=ppt/slideLayouts/slideLayout14.xml><?xml version="1.0" encoding="utf-8"?>
+<p:sldLayout xmlns:a="http://schemas.openxmlformats.org/drawingml/2006/main" xmlns:p="http://schemas.openxmlformats.org/presentationml/2006/main" xmlns:r="http://schemas.openxmlformats.org/officeDocument/2006/relationships" type="tx" preserve="1">
+  <p:cSld name="Title Slide">
+    <p:spTree>
+      <p:nvGrpSpPr>
+        <p:cNvPr id="1" name=""/>
+        <p:cNvGrpSpPr/>
+        <p:nvPr/>
+      </p:nvGrpSpPr>
+      <p:grpSpPr>
+        <a:xfrm>
+          <a:off x="0" y="0"/>
+          <a:ext cx="0" cy="0"/>
+          <a:chOff x="0" y="0"/>
+          <a:chExt cx="0" cy="0"/>
+        </a:xfrm>
+      </p:grpSpPr>
+      <p:sp>
+        <p:nvSpPr>
+          <p:cNvPr id="38" name="PlaceHolder 1"/>
+          <p:cNvSpPr>
+            <a:spLocks noGrp="1"/>
+          </p:cNvSpPr>
+          <p:nvPr>
+            <p:ph type="title"/>
+          </p:nvPr>
+        </p:nvSpPr>
+        <p:spPr>
+          <a:xfrm>
+            <a:off x="504000" y="301320"/>
+            <a:ext cx="9071280" cy="1262520"/>
+          </a:xfrm>
+          <a:prstGeom prst="rect">
+            <a:avLst/>
+          </a:prstGeom>
+        </p:spPr>
+        <p:txBody>
+          <a:bodyPr lIns="0" rIns="0" tIns="0" bIns="0" anchor="ctr"/>
+          <a:p>
+            <a:pPr algn="ctr"/>
+            <a:endParaRPr/>
+          </a:p>
+        </p:txBody>
+      </p:sp>
+      <p:sp>
+        <p:nvSpPr>
+          <p:cNvPr id="39" name="PlaceHolder 2"/>
+          <p:cNvSpPr>
+            <a:spLocks noGrp="1"/>
+          </p:cNvSpPr>
+          <p:nvPr>
+            <p:ph type="subTitle"/>
+          </p:nvPr>
+        </p:nvSpPr>
+        <p:spPr>
+          <a:xfrm>
+            <a:off x="504000" y="1769040"/>
+            <a:ext cx="9071280" cy="4384440"/>
+          </a:xfrm>
+          <a:prstGeom prst="rect">
+            <a:avLst/>
+          </a:prstGeom>
+        </p:spPr>
+        <p:txBody>
+          <a:bodyPr lIns="0" rIns="0" tIns="0" bIns="0" anchor="ctr"/>
+          <a:p>
+            <a:pPr algn="ctr"/>
+            <a:endParaRPr/>
+          </a:p>
+        </p:txBody>
+      </p:sp>
+    </p:spTree>
+  </p:cSld>
+</p:sldLayout>
+</file>
+
+<file path=ppt/slideLayouts/slideLayout15.xml><?xml version="1.0" encoding="utf-8"?>
+<p:sldLayout xmlns:a="http://schemas.openxmlformats.org/drawingml/2006/main" xmlns:p="http://schemas.openxmlformats.org/presentationml/2006/main" xmlns:r="http://schemas.openxmlformats.org/officeDocument/2006/relationships" type="obj" preserve="1">
+  <p:cSld name="Title, Content">
+    <p:spTree>
+      <p:nvGrpSpPr>
+        <p:cNvPr id="1" name=""/>
+        <p:cNvGrpSpPr/>
+        <p:nvPr/>
+      </p:nvGrpSpPr>
+      <p:grpSpPr>
+        <a:xfrm>
+          <a:off x="0" y="0"/>
+          <a:ext cx="0" cy="0"/>
+          <a:chOff x="0" y="0"/>
+          <a:chExt cx="0" cy="0"/>
+        </a:xfrm>
+      </p:grpSpPr>
+      <p:sp>
+        <p:nvSpPr>
+          <p:cNvPr id="40" name="PlaceHolder 1"/>
+          <p:cNvSpPr>
+            <a:spLocks noGrp="1"/>
+          </p:cNvSpPr>
+          <p:nvPr>
+            <p:ph type="title"/>
+          </p:nvPr>
+        </p:nvSpPr>
+        <p:spPr>
+          <a:xfrm>
+            <a:off x="504000" y="301320"/>
+            <a:ext cx="9071280" cy="1262520"/>
+          </a:xfrm>
+          <a:prstGeom prst="rect">
+            <a:avLst/>
+          </a:prstGeom>
+        </p:spPr>
+        <p:txBody>
+          <a:bodyPr lIns="0" rIns="0" tIns="0" bIns="0" anchor="ctr"/>
+          <a:p>
+            <a:pPr algn="ctr"/>
+            <a:endParaRPr/>
+          </a:p>
+        </p:txBody>
+      </p:sp>
+      <p:sp>
+        <p:nvSpPr>
+          <p:cNvPr id="41" name="PlaceHolder 2"/>
+          <p:cNvSpPr>
+            <a:spLocks noGrp="1"/>
+          </p:cNvSpPr>
+          <p:nvPr>
+            <p:ph type="body"/>
+          </p:nvPr>
+        </p:nvSpPr>
+        <p:spPr>
+          <a:xfrm>
+            <a:off x="504000" y="1769040"/>
+            <a:ext cx="9071280" cy="4384080"/>
+          </a:xfrm>
+          <a:prstGeom prst="rect">
+            <a:avLst/>
+          </a:prstGeom>
+        </p:spPr>
+        <p:txBody>
+          <a:bodyPr lIns="0" rIns="0" tIns="0" bIns="0"/>
+          <a:p>
+            <a:endParaRPr/>
+          </a:p>
+        </p:txBody>
+      </p:sp>
+    </p:spTree>
+  </p:cSld>
+</p:sldLayout>
+</file>
+
+<file path=ppt/slideLayouts/slideLayout16.xml><?xml version="1.0" encoding="utf-8"?>
+<p:sldLayout xmlns:a="http://schemas.openxmlformats.org/drawingml/2006/main" xmlns:p="http://schemas.openxmlformats.org/presentationml/2006/main" xmlns:r="http://schemas.openxmlformats.org/officeDocument/2006/relationships" type="twoObj" preserve="1">
+  <p:cSld name="Title, 2 Content">
+    <p:spTree>
+      <p:nvGrpSpPr>
+        <p:cNvPr id="1" name=""/>
+        <p:cNvGrpSpPr/>
+        <p:nvPr/>
+      </p:nvGrpSpPr>
+      <p:grpSpPr>
+        <a:xfrm>
+          <a:off x="0" y="0"/>
+          <a:ext cx="0" cy="0"/>
+          <a:chOff x="0" y="0"/>
+          <a:chExt cx="0" cy="0"/>
+        </a:xfrm>
+      </p:grpSpPr>
+      <p:sp>
+        <p:nvSpPr>
+          <p:cNvPr id="42" name="PlaceHolder 1"/>
+          <p:cNvSpPr>
+            <a:spLocks noGrp="1"/>
+          </p:cNvSpPr>
+          <p:nvPr>
+            <p:ph type="title"/>
+          </p:nvPr>
+        </p:nvSpPr>
+        <p:spPr>
+          <a:xfrm>
+            <a:off x="504000" y="301320"/>
+            <a:ext cx="9071280" cy="1262520"/>
+          </a:xfrm>
+          <a:prstGeom prst="rect">
+            <a:avLst/>
+          </a:prstGeom>
+        </p:spPr>
+        <p:txBody>
+          <a:bodyPr lIns="0" rIns="0" tIns="0" bIns="0" anchor="ctr"/>
+          <a:p>
+            <a:pPr algn="ctr"/>
+            <a:endParaRPr/>
+          </a:p>
+        </p:txBody>
+      </p:sp>
+      <p:sp>
+        <p:nvSpPr>
+          <p:cNvPr id="43" name="PlaceHolder 2"/>
+          <p:cNvSpPr>
+            <a:spLocks noGrp="1"/>
+          </p:cNvSpPr>
+          <p:nvPr>
+            <p:ph type="body"/>
+          </p:nvPr>
+        </p:nvSpPr>
+        <p:spPr>
+          <a:xfrm>
+            <a:off x="504000" y="1769040"/>
+            <a:ext cx="4426560" cy="4384080"/>
+          </a:xfrm>
+          <a:prstGeom prst="rect">
+            <a:avLst/>
+          </a:prstGeom>
+        </p:spPr>
+        <p:txBody>
+          <a:bodyPr lIns="0" rIns="0" tIns="0" bIns="0"/>
+          <a:p>
+            <a:endParaRPr/>
+          </a:p>
+        </p:txBody>
+      </p:sp>
+      <p:sp>
+        <p:nvSpPr>
+          <p:cNvPr id="44" name="PlaceHolder 3"/>
+          <p:cNvSpPr>
+            <a:spLocks noGrp="1"/>
+          </p:cNvSpPr>
+          <p:nvPr>
+            <p:ph type="body"/>
+          </p:nvPr>
+        </p:nvSpPr>
+        <p:spPr>
+          <a:xfrm>
+            <a:off x="5152320" y="1769040"/>
+            <a:ext cx="4426560" cy="4384080"/>
+          </a:xfrm>
+          <a:prstGeom prst="rect">
+            <a:avLst/>
+          </a:prstGeom>
+        </p:spPr>
+        <p:txBody>
+          <a:bodyPr lIns="0" rIns="0" tIns="0" bIns="0"/>
+          <a:p>
+            <a:endParaRPr/>
+          </a:p>
+        </p:txBody>
+      </p:sp>
+    </p:spTree>
+  </p:cSld>
+</p:sldLayout>
+</file>
+
+<file path=ppt/slideLayouts/slideLayout17.xml><?xml version="1.0" encoding="utf-8"?>
+<p:sldLayout xmlns:a="http://schemas.openxmlformats.org/drawingml/2006/main" xmlns:p="http://schemas.openxmlformats.org/presentationml/2006/main" xmlns:r="http://schemas.openxmlformats.org/officeDocument/2006/relationships" type="titleOnly" preserve="1">
+  <p:cSld name="Title Only">
+    <p:spTree>
+      <p:nvGrpSpPr>
+        <p:cNvPr id="1" name=""/>
+        <p:cNvGrpSpPr/>
+        <p:nvPr/>
+      </p:nvGrpSpPr>
+      <p:grpSpPr>
+        <a:xfrm>
+          <a:off x="0" y="0"/>
+          <a:ext cx="0" cy="0"/>
+          <a:chOff x="0" y="0"/>
+          <a:chExt cx="0" cy="0"/>
+        </a:xfrm>
+      </p:grpSpPr>
+      <p:sp>
+        <p:nvSpPr>
+          <p:cNvPr id="45" name="PlaceHolder 1"/>
+          <p:cNvSpPr>
+            <a:spLocks noGrp="1"/>
+          </p:cNvSpPr>
+          <p:nvPr>
+            <p:ph type="title"/>
+          </p:nvPr>
+        </p:nvSpPr>
+        <p:spPr>
+          <a:xfrm>
+            <a:off x="504000" y="301320"/>
+            <a:ext cx="9071280" cy="1262520"/>
+          </a:xfrm>
+          <a:prstGeom prst="rect">
+            <a:avLst/>
+          </a:prstGeom>
+        </p:spPr>
+        <p:txBody>
+          <a:bodyPr lIns="0" rIns="0" tIns="0" bIns="0" anchor="ctr"/>
+          <a:p>
+            <a:pPr algn="ctr"/>
+            <a:endParaRPr/>
+          </a:p>
+        </p:txBody>
+      </p:sp>
+    </p:spTree>
+  </p:cSld>
+</p:sldLayout>
+</file>
+
+<file path=ppt/slideLayouts/slideLayout18.xml><?xml version="1.0" encoding="utf-8"?>
+<p:sldLayout xmlns:a="http://schemas.openxmlformats.org/drawingml/2006/main" xmlns:p="http://schemas.openxmlformats.org/presentationml/2006/main" xmlns:r="http://schemas.openxmlformats.org/officeDocument/2006/relationships" type="objOnly" preserve="1">
+  <p:cSld name="Centered Text">
+    <p:spTree>
+      <p:nvGrpSpPr>
+        <p:cNvPr id="1" name=""/>
+        <p:cNvGrpSpPr/>
+        <p:nvPr/>
+      </p:nvGrpSpPr>
+      <p:grpSpPr>
+        <a:xfrm>
+          <a:off x="0" y="0"/>
+          <a:ext cx="0" cy="0"/>
+          <a:chOff x="0" y="0"/>
+          <a:chExt cx="0" cy="0"/>
+        </a:xfrm>
+      </p:grpSpPr>
+      <p:sp>
+        <p:nvSpPr>
+          <p:cNvPr id="46" name="PlaceHolder 1"/>
+          <p:cNvSpPr>
+            <a:spLocks noGrp="1"/>
+          </p:cNvSpPr>
+          <p:nvPr>
+            <p:ph type="subTitle"/>
+          </p:nvPr>
+        </p:nvSpPr>
+        <p:spPr>
+          <a:xfrm>
+            <a:off x="504000" y="301320"/>
+            <a:ext cx="9071280" cy="5852160"/>
+          </a:xfrm>
+          <a:prstGeom prst="rect">
+            <a:avLst/>
+          </a:prstGeom>
+        </p:spPr>
+        <p:txBody>
+          <a:bodyPr lIns="0" rIns="0" tIns="0" bIns="0" anchor="ctr"/>
+          <a:p>
+            <a:pPr algn="ctr"/>
+            <a:endParaRPr/>
+          </a:p>
+        </p:txBody>
+      </p:sp>
+    </p:spTree>
+  </p:cSld>
+</p:sldLayout>
+</file>
+
+<file path=ppt/slideLayouts/slideLayout19.xml><?xml version="1.0" encoding="utf-8"?>
+<p:sldLayout xmlns:a="http://schemas.openxmlformats.org/drawingml/2006/main" xmlns:p="http://schemas.openxmlformats.org/presentationml/2006/main" xmlns:r="http://schemas.openxmlformats.org/officeDocument/2006/relationships" type="twoObjAndObj" preserve="1">
+  <p:cSld name="Title, 2 Content and Content">
+    <p:spTree>
+      <p:nvGrpSpPr>
+        <p:cNvPr id="1" name=""/>
+        <p:cNvGrpSpPr/>
+        <p:nvPr/>
+      </p:nvGrpSpPr>
+      <p:grpSpPr>
+        <a:xfrm>
+          <a:off x="0" y="0"/>
+          <a:ext cx="0" cy="0"/>
+          <a:chOff x="0" y="0"/>
+          <a:chExt cx="0" cy="0"/>
+        </a:xfrm>
+      </p:grpSpPr>
+      <p:sp>
+        <p:nvSpPr>
+          <p:cNvPr id="47" name="PlaceHolder 1"/>
+          <p:cNvSpPr>
+            <a:spLocks noGrp="1"/>
+          </p:cNvSpPr>
+          <p:nvPr>
+            <p:ph type="title"/>
+          </p:nvPr>
+        </p:nvSpPr>
+        <p:spPr>
+          <a:xfrm>
+            <a:off x="504000" y="301320"/>
+            <a:ext cx="9071280" cy="1262520"/>
+          </a:xfrm>
+          <a:prstGeom prst="rect">
+            <a:avLst/>
+          </a:prstGeom>
+        </p:spPr>
+        <p:txBody>
+          <a:bodyPr lIns="0" rIns="0" tIns="0" bIns="0" anchor="ctr"/>
+          <a:p>
+            <a:pPr algn="ctr"/>
+            <a:endParaRPr/>
+          </a:p>
+        </p:txBody>
+      </p:sp>
+      <p:sp>
+        <p:nvSpPr>
+          <p:cNvPr id="48" name="PlaceHolder 2"/>
+          <p:cNvSpPr>
+            <a:spLocks noGrp="1"/>
+          </p:cNvSpPr>
+          <p:nvPr>
+            <p:ph type="body"/>
+          </p:nvPr>
+        </p:nvSpPr>
+        <p:spPr>
+          <a:xfrm>
+            <a:off x="504000" y="1769040"/>
+            <a:ext cx="4426560" cy="2090880"/>
+          </a:xfrm>
+          <a:prstGeom prst="rect">
+            <a:avLst/>
+          </a:prstGeom>
+        </p:spPr>
+        <p:txBody>
+          <a:bodyPr lIns="0" rIns="0" tIns="0" bIns="0"/>
+          <a:p>
+            <a:endParaRPr/>
+          </a:p>
+        </p:txBody>
+      </p:sp>
+      <p:sp>
+        <p:nvSpPr>
+          <p:cNvPr id="49" name="PlaceHolder 3"/>
+          <p:cNvSpPr>
+            <a:spLocks noGrp="1"/>
+          </p:cNvSpPr>
+          <p:nvPr>
+            <p:ph type="body"/>
+          </p:nvPr>
+        </p:nvSpPr>
+        <p:spPr>
+          <a:xfrm>
+            <a:off x="504000" y="4059000"/>
+            <a:ext cx="4426560" cy="2090880"/>
+          </a:xfrm>
+          <a:prstGeom prst="rect">
+            <a:avLst/>
+          </a:prstGeom>
+        </p:spPr>
+        <p:txBody>
+          <a:bodyPr lIns="0" rIns="0" tIns="0" bIns="0"/>
+          <a:p>
+            <a:endParaRPr/>
+          </a:p>
+        </p:txBody>
+      </p:sp>
+      <p:sp>
+        <p:nvSpPr>
+          <p:cNvPr id="50" name="PlaceHolder 4"/>
+          <p:cNvSpPr>
+            <a:spLocks noGrp="1"/>
+          </p:cNvSpPr>
+          <p:nvPr>
+            <p:ph type="body"/>
+          </p:nvPr>
+        </p:nvSpPr>
+        <p:spPr>
+          <a:xfrm>
+            <a:off x="5152320" y="1769040"/>
+            <a:ext cx="4426560" cy="4384080"/>
+          </a:xfrm>
+          <a:prstGeom prst="rect">
+            <a:avLst/>
+          </a:prstGeom>
+        </p:spPr>
+        <p:txBody>
+          <a:bodyPr lIns="0" rIns="0" tIns="0" bIns="0"/>
+          <a:p>
+            <a:endParaRPr/>
+          </a:p>
+        </p:txBody>
+      </p:sp>
     </p:spTree>
   </p:cSld>
 </p:sldLayout>
@@ -459,7 +961,7 @@
       </p:grpSpPr>
       <p:sp>
         <p:nvSpPr>
-          <p:cNvPr id="5" name="PlaceHolder 1"/>
+          <p:cNvPr id="2" name="PlaceHolder 1"/>
           <p:cNvSpPr>
             <a:spLocks noGrp="1"/>
           </p:cNvSpPr>
@@ -470,7 +972,7 @@
         <p:spPr>
           <a:xfrm>
             <a:off x="504000" y="301320"/>
-            <a:ext cx="9071640" cy="1262520"/>
+            <a:ext cx="9071280" cy="1262520"/>
           </a:xfrm>
           <a:prstGeom prst="rect">
             <a:avLst/>
@@ -486,7 +988,7 @@
       </p:sp>
       <p:sp>
         <p:nvSpPr>
-          <p:cNvPr id="6" name="PlaceHolder 2"/>
+          <p:cNvPr id="3" name="PlaceHolder 2"/>
           <p:cNvSpPr>
             <a:spLocks noGrp="1"/>
           </p:cNvSpPr>
@@ -497,7 +999,7 @@
         <p:spPr>
           <a:xfrm>
             <a:off x="504000" y="1769040"/>
-            <a:ext cx="9071640" cy="4384800"/>
+            <a:ext cx="9071280" cy="4384440"/>
           </a:xfrm>
           <a:prstGeom prst="rect">
             <a:avLst/>
@@ -511,6 +1013,665 @@
           </a:p>
         </p:txBody>
       </p:sp>
+    </p:spTree>
+  </p:cSld>
+</p:sldLayout>
+</file>
+
+<file path=ppt/slideLayouts/slideLayout20.xml><?xml version="1.0" encoding="utf-8"?>
+<p:sldLayout xmlns:a="http://schemas.openxmlformats.org/drawingml/2006/main" xmlns:p="http://schemas.openxmlformats.org/presentationml/2006/main" xmlns:r="http://schemas.openxmlformats.org/officeDocument/2006/relationships" type="objAndTwoObj" preserve="1">
+  <p:cSld name="Title Content and 2 Content">
+    <p:spTree>
+      <p:nvGrpSpPr>
+        <p:cNvPr id="1" name=""/>
+        <p:cNvGrpSpPr/>
+        <p:nvPr/>
+      </p:nvGrpSpPr>
+      <p:grpSpPr>
+        <a:xfrm>
+          <a:off x="0" y="0"/>
+          <a:ext cx="0" cy="0"/>
+          <a:chOff x="0" y="0"/>
+          <a:chExt cx="0" cy="0"/>
+        </a:xfrm>
+      </p:grpSpPr>
+      <p:sp>
+        <p:nvSpPr>
+          <p:cNvPr id="51" name="PlaceHolder 1"/>
+          <p:cNvSpPr>
+            <a:spLocks noGrp="1"/>
+          </p:cNvSpPr>
+          <p:nvPr>
+            <p:ph type="title"/>
+          </p:nvPr>
+        </p:nvSpPr>
+        <p:spPr>
+          <a:xfrm>
+            <a:off x="504000" y="301320"/>
+            <a:ext cx="9071280" cy="1262520"/>
+          </a:xfrm>
+          <a:prstGeom prst="rect">
+            <a:avLst/>
+          </a:prstGeom>
+        </p:spPr>
+        <p:txBody>
+          <a:bodyPr lIns="0" rIns="0" tIns="0" bIns="0" anchor="ctr"/>
+          <a:p>
+            <a:pPr algn="ctr"/>
+            <a:endParaRPr/>
+          </a:p>
+        </p:txBody>
+      </p:sp>
+      <p:sp>
+        <p:nvSpPr>
+          <p:cNvPr id="52" name="PlaceHolder 2"/>
+          <p:cNvSpPr>
+            <a:spLocks noGrp="1"/>
+          </p:cNvSpPr>
+          <p:nvPr>
+            <p:ph type="body"/>
+          </p:nvPr>
+        </p:nvSpPr>
+        <p:spPr>
+          <a:xfrm>
+            <a:off x="504000" y="1769040"/>
+            <a:ext cx="4426560" cy="4384080"/>
+          </a:xfrm>
+          <a:prstGeom prst="rect">
+            <a:avLst/>
+          </a:prstGeom>
+        </p:spPr>
+        <p:txBody>
+          <a:bodyPr lIns="0" rIns="0" tIns="0" bIns="0"/>
+          <a:p>
+            <a:endParaRPr/>
+          </a:p>
+        </p:txBody>
+      </p:sp>
+      <p:sp>
+        <p:nvSpPr>
+          <p:cNvPr id="53" name="PlaceHolder 3"/>
+          <p:cNvSpPr>
+            <a:spLocks noGrp="1"/>
+          </p:cNvSpPr>
+          <p:nvPr>
+            <p:ph type="body"/>
+          </p:nvPr>
+        </p:nvSpPr>
+        <p:spPr>
+          <a:xfrm>
+            <a:off x="5152320" y="1769040"/>
+            <a:ext cx="4426560" cy="2090880"/>
+          </a:xfrm>
+          <a:prstGeom prst="rect">
+            <a:avLst/>
+          </a:prstGeom>
+        </p:spPr>
+        <p:txBody>
+          <a:bodyPr lIns="0" rIns="0" tIns="0" bIns="0"/>
+          <a:p>
+            <a:endParaRPr/>
+          </a:p>
+        </p:txBody>
+      </p:sp>
+      <p:sp>
+        <p:nvSpPr>
+          <p:cNvPr id="54" name="PlaceHolder 4"/>
+          <p:cNvSpPr>
+            <a:spLocks noGrp="1"/>
+          </p:cNvSpPr>
+          <p:nvPr>
+            <p:ph type="body"/>
+          </p:nvPr>
+        </p:nvSpPr>
+        <p:spPr>
+          <a:xfrm>
+            <a:off x="5152320" y="4059000"/>
+            <a:ext cx="4426560" cy="2090880"/>
+          </a:xfrm>
+          <a:prstGeom prst="rect">
+            <a:avLst/>
+          </a:prstGeom>
+        </p:spPr>
+        <p:txBody>
+          <a:bodyPr lIns="0" rIns="0" tIns="0" bIns="0"/>
+          <a:p>
+            <a:endParaRPr/>
+          </a:p>
+        </p:txBody>
+      </p:sp>
+    </p:spTree>
+  </p:cSld>
+</p:sldLayout>
+</file>
+
+<file path=ppt/slideLayouts/slideLayout21.xml><?xml version="1.0" encoding="utf-8"?>
+<p:sldLayout xmlns:a="http://schemas.openxmlformats.org/drawingml/2006/main" xmlns:p="http://schemas.openxmlformats.org/presentationml/2006/main" xmlns:r="http://schemas.openxmlformats.org/officeDocument/2006/relationships" type="twoObjOverTx" preserve="1">
+  <p:cSld name="Title, 2 Content over Content">
+    <p:spTree>
+      <p:nvGrpSpPr>
+        <p:cNvPr id="1" name=""/>
+        <p:cNvGrpSpPr/>
+        <p:nvPr/>
+      </p:nvGrpSpPr>
+      <p:grpSpPr>
+        <a:xfrm>
+          <a:off x="0" y="0"/>
+          <a:ext cx="0" cy="0"/>
+          <a:chOff x="0" y="0"/>
+          <a:chExt cx="0" cy="0"/>
+        </a:xfrm>
+      </p:grpSpPr>
+      <p:sp>
+        <p:nvSpPr>
+          <p:cNvPr id="55" name="PlaceHolder 1"/>
+          <p:cNvSpPr>
+            <a:spLocks noGrp="1"/>
+          </p:cNvSpPr>
+          <p:nvPr>
+            <p:ph type="title"/>
+          </p:nvPr>
+        </p:nvSpPr>
+        <p:spPr>
+          <a:xfrm>
+            <a:off x="504000" y="301320"/>
+            <a:ext cx="9071280" cy="1262520"/>
+          </a:xfrm>
+          <a:prstGeom prst="rect">
+            <a:avLst/>
+          </a:prstGeom>
+        </p:spPr>
+        <p:txBody>
+          <a:bodyPr lIns="0" rIns="0" tIns="0" bIns="0" anchor="ctr"/>
+          <a:p>
+            <a:pPr algn="ctr"/>
+            <a:endParaRPr/>
+          </a:p>
+        </p:txBody>
+      </p:sp>
+      <p:sp>
+        <p:nvSpPr>
+          <p:cNvPr id="56" name="PlaceHolder 2"/>
+          <p:cNvSpPr>
+            <a:spLocks noGrp="1"/>
+          </p:cNvSpPr>
+          <p:nvPr>
+            <p:ph type="body"/>
+          </p:nvPr>
+        </p:nvSpPr>
+        <p:spPr>
+          <a:xfrm>
+            <a:off x="504000" y="1769040"/>
+            <a:ext cx="4426560" cy="2090880"/>
+          </a:xfrm>
+          <a:prstGeom prst="rect">
+            <a:avLst/>
+          </a:prstGeom>
+        </p:spPr>
+        <p:txBody>
+          <a:bodyPr lIns="0" rIns="0" tIns="0" bIns="0"/>
+          <a:p>
+            <a:endParaRPr/>
+          </a:p>
+        </p:txBody>
+      </p:sp>
+      <p:sp>
+        <p:nvSpPr>
+          <p:cNvPr id="57" name="PlaceHolder 3"/>
+          <p:cNvSpPr>
+            <a:spLocks noGrp="1"/>
+          </p:cNvSpPr>
+          <p:nvPr>
+            <p:ph type="body"/>
+          </p:nvPr>
+        </p:nvSpPr>
+        <p:spPr>
+          <a:xfrm>
+            <a:off x="5152320" y="1769040"/>
+            <a:ext cx="4426560" cy="2090880"/>
+          </a:xfrm>
+          <a:prstGeom prst="rect">
+            <a:avLst/>
+          </a:prstGeom>
+        </p:spPr>
+        <p:txBody>
+          <a:bodyPr lIns="0" rIns="0" tIns="0" bIns="0"/>
+          <a:p>
+            <a:endParaRPr/>
+          </a:p>
+        </p:txBody>
+      </p:sp>
+      <p:sp>
+        <p:nvSpPr>
+          <p:cNvPr id="58" name="PlaceHolder 4"/>
+          <p:cNvSpPr>
+            <a:spLocks noGrp="1"/>
+          </p:cNvSpPr>
+          <p:nvPr>
+            <p:ph type="body"/>
+          </p:nvPr>
+        </p:nvSpPr>
+        <p:spPr>
+          <a:xfrm>
+            <a:off x="504000" y="4059000"/>
+            <a:ext cx="9071280" cy="2090880"/>
+          </a:xfrm>
+          <a:prstGeom prst="rect">
+            <a:avLst/>
+          </a:prstGeom>
+        </p:spPr>
+        <p:txBody>
+          <a:bodyPr lIns="0" rIns="0" tIns="0" bIns="0"/>
+          <a:p>
+            <a:endParaRPr/>
+          </a:p>
+        </p:txBody>
+      </p:sp>
+    </p:spTree>
+  </p:cSld>
+</p:sldLayout>
+</file>
+
+<file path=ppt/slideLayouts/slideLayout22.xml><?xml version="1.0" encoding="utf-8"?>
+<p:sldLayout xmlns:a="http://schemas.openxmlformats.org/drawingml/2006/main" xmlns:p="http://schemas.openxmlformats.org/presentationml/2006/main" xmlns:r="http://schemas.openxmlformats.org/officeDocument/2006/relationships" type="objOverTx" preserve="1">
+  <p:cSld name="Title, Content over Content">
+    <p:spTree>
+      <p:nvGrpSpPr>
+        <p:cNvPr id="1" name=""/>
+        <p:cNvGrpSpPr/>
+        <p:nvPr/>
+      </p:nvGrpSpPr>
+      <p:grpSpPr>
+        <a:xfrm>
+          <a:off x="0" y="0"/>
+          <a:ext cx="0" cy="0"/>
+          <a:chOff x="0" y="0"/>
+          <a:chExt cx="0" cy="0"/>
+        </a:xfrm>
+      </p:grpSpPr>
+      <p:sp>
+        <p:nvSpPr>
+          <p:cNvPr id="59" name="PlaceHolder 1"/>
+          <p:cNvSpPr>
+            <a:spLocks noGrp="1"/>
+          </p:cNvSpPr>
+          <p:nvPr>
+            <p:ph type="title"/>
+          </p:nvPr>
+        </p:nvSpPr>
+        <p:spPr>
+          <a:xfrm>
+            <a:off x="504000" y="301320"/>
+            <a:ext cx="9071280" cy="1262520"/>
+          </a:xfrm>
+          <a:prstGeom prst="rect">
+            <a:avLst/>
+          </a:prstGeom>
+        </p:spPr>
+        <p:txBody>
+          <a:bodyPr lIns="0" rIns="0" tIns="0" bIns="0" anchor="ctr"/>
+          <a:p>
+            <a:pPr algn="ctr"/>
+            <a:endParaRPr/>
+          </a:p>
+        </p:txBody>
+      </p:sp>
+      <p:sp>
+        <p:nvSpPr>
+          <p:cNvPr id="60" name="PlaceHolder 2"/>
+          <p:cNvSpPr>
+            <a:spLocks noGrp="1"/>
+          </p:cNvSpPr>
+          <p:nvPr>
+            <p:ph type="body"/>
+          </p:nvPr>
+        </p:nvSpPr>
+        <p:spPr>
+          <a:xfrm>
+            <a:off x="504000" y="1769040"/>
+            <a:ext cx="9071280" cy="2090880"/>
+          </a:xfrm>
+          <a:prstGeom prst="rect">
+            <a:avLst/>
+          </a:prstGeom>
+        </p:spPr>
+        <p:txBody>
+          <a:bodyPr lIns="0" rIns="0" tIns="0" bIns="0"/>
+          <a:p>
+            <a:endParaRPr/>
+          </a:p>
+        </p:txBody>
+      </p:sp>
+      <p:sp>
+        <p:nvSpPr>
+          <p:cNvPr id="61" name="PlaceHolder 3"/>
+          <p:cNvSpPr>
+            <a:spLocks noGrp="1"/>
+          </p:cNvSpPr>
+          <p:nvPr>
+            <p:ph type="body"/>
+          </p:nvPr>
+        </p:nvSpPr>
+        <p:spPr>
+          <a:xfrm>
+            <a:off x="504000" y="4059000"/>
+            <a:ext cx="9071280" cy="2090880"/>
+          </a:xfrm>
+          <a:prstGeom prst="rect">
+            <a:avLst/>
+          </a:prstGeom>
+        </p:spPr>
+        <p:txBody>
+          <a:bodyPr lIns="0" rIns="0" tIns="0" bIns="0"/>
+          <a:p>
+            <a:endParaRPr/>
+          </a:p>
+        </p:txBody>
+      </p:sp>
+    </p:spTree>
+  </p:cSld>
+</p:sldLayout>
+</file>
+
+<file path=ppt/slideLayouts/slideLayout23.xml><?xml version="1.0" encoding="utf-8"?>
+<p:sldLayout xmlns:a="http://schemas.openxmlformats.org/drawingml/2006/main" xmlns:p="http://schemas.openxmlformats.org/presentationml/2006/main" xmlns:r="http://schemas.openxmlformats.org/officeDocument/2006/relationships" type="fourObj" preserve="1">
+  <p:cSld name="Title, 4 Content">
+    <p:spTree>
+      <p:nvGrpSpPr>
+        <p:cNvPr id="1" name=""/>
+        <p:cNvGrpSpPr/>
+        <p:nvPr/>
+      </p:nvGrpSpPr>
+      <p:grpSpPr>
+        <a:xfrm>
+          <a:off x="0" y="0"/>
+          <a:ext cx="0" cy="0"/>
+          <a:chOff x="0" y="0"/>
+          <a:chExt cx="0" cy="0"/>
+        </a:xfrm>
+      </p:grpSpPr>
+      <p:sp>
+        <p:nvSpPr>
+          <p:cNvPr id="62" name="PlaceHolder 1"/>
+          <p:cNvSpPr>
+            <a:spLocks noGrp="1"/>
+          </p:cNvSpPr>
+          <p:nvPr>
+            <p:ph type="title"/>
+          </p:nvPr>
+        </p:nvSpPr>
+        <p:spPr>
+          <a:xfrm>
+            <a:off x="504000" y="301320"/>
+            <a:ext cx="9071280" cy="1262520"/>
+          </a:xfrm>
+          <a:prstGeom prst="rect">
+            <a:avLst/>
+          </a:prstGeom>
+        </p:spPr>
+        <p:txBody>
+          <a:bodyPr lIns="0" rIns="0" tIns="0" bIns="0" anchor="ctr"/>
+          <a:p>
+            <a:pPr algn="ctr"/>
+            <a:endParaRPr/>
+          </a:p>
+        </p:txBody>
+      </p:sp>
+      <p:sp>
+        <p:nvSpPr>
+          <p:cNvPr id="63" name="PlaceHolder 2"/>
+          <p:cNvSpPr>
+            <a:spLocks noGrp="1"/>
+          </p:cNvSpPr>
+          <p:nvPr>
+            <p:ph type="body"/>
+          </p:nvPr>
+        </p:nvSpPr>
+        <p:spPr>
+          <a:xfrm>
+            <a:off x="504000" y="1769040"/>
+            <a:ext cx="4426560" cy="2090880"/>
+          </a:xfrm>
+          <a:prstGeom prst="rect">
+            <a:avLst/>
+          </a:prstGeom>
+        </p:spPr>
+        <p:txBody>
+          <a:bodyPr lIns="0" rIns="0" tIns="0" bIns="0"/>
+          <a:p>
+            <a:endParaRPr/>
+          </a:p>
+        </p:txBody>
+      </p:sp>
+      <p:sp>
+        <p:nvSpPr>
+          <p:cNvPr id="64" name="PlaceHolder 3"/>
+          <p:cNvSpPr>
+            <a:spLocks noGrp="1"/>
+          </p:cNvSpPr>
+          <p:nvPr>
+            <p:ph type="body"/>
+          </p:nvPr>
+        </p:nvSpPr>
+        <p:spPr>
+          <a:xfrm>
+            <a:off x="5152320" y="1769040"/>
+            <a:ext cx="4426560" cy="2090880"/>
+          </a:xfrm>
+          <a:prstGeom prst="rect">
+            <a:avLst/>
+          </a:prstGeom>
+        </p:spPr>
+        <p:txBody>
+          <a:bodyPr lIns="0" rIns="0" tIns="0" bIns="0"/>
+          <a:p>
+            <a:endParaRPr/>
+          </a:p>
+        </p:txBody>
+      </p:sp>
+      <p:sp>
+        <p:nvSpPr>
+          <p:cNvPr id="65" name="PlaceHolder 4"/>
+          <p:cNvSpPr>
+            <a:spLocks noGrp="1"/>
+          </p:cNvSpPr>
+          <p:nvPr>
+            <p:ph type="body"/>
+          </p:nvPr>
+        </p:nvSpPr>
+        <p:spPr>
+          <a:xfrm>
+            <a:off x="5152320" y="4059000"/>
+            <a:ext cx="4426560" cy="2090880"/>
+          </a:xfrm>
+          <a:prstGeom prst="rect">
+            <a:avLst/>
+          </a:prstGeom>
+        </p:spPr>
+        <p:txBody>
+          <a:bodyPr lIns="0" rIns="0" tIns="0" bIns="0"/>
+          <a:p>
+            <a:endParaRPr/>
+          </a:p>
+        </p:txBody>
+      </p:sp>
+      <p:sp>
+        <p:nvSpPr>
+          <p:cNvPr id="66" name="PlaceHolder 5"/>
+          <p:cNvSpPr>
+            <a:spLocks noGrp="1"/>
+          </p:cNvSpPr>
+          <p:nvPr>
+            <p:ph type="body"/>
+          </p:nvPr>
+        </p:nvSpPr>
+        <p:spPr>
+          <a:xfrm>
+            <a:off x="504000" y="4059000"/>
+            <a:ext cx="4426560" cy="2090880"/>
+          </a:xfrm>
+          <a:prstGeom prst="rect">
+            <a:avLst/>
+          </a:prstGeom>
+        </p:spPr>
+        <p:txBody>
+          <a:bodyPr lIns="0" rIns="0" tIns="0" bIns="0"/>
+          <a:p>
+            <a:endParaRPr/>
+          </a:p>
+        </p:txBody>
+      </p:sp>
+    </p:spTree>
+  </p:cSld>
+</p:sldLayout>
+</file>
+
+<file path=ppt/slideLayouts/slideLayout24.xml><?xml version="1.0" encoding="utf-8"?>
+<p:sldLayout xmlns:a="http://schemas.openxmlformats.org/drawingml/2006/main" xmlns:p="http://schemas.openxmlformats.org/presentationml/2006/main" xmlns:r="http://schemas.openxmlformats.org/officeDocument/2006/relationships" type="blank" preserve="1">
+  <p:cSld name="Title, 6 Content">
+    <p:spTree>
+      <p:nvGrpSpPr>
+        <p:cNvPr id="1" name=""/>
+        <p:cNvGrpSpPr/>
+        <p:nvPr/>
+      </p:nvGrpSpPr>
+      <p:grpSpPr>
+        <a:xfrm>
+          <a:off x="0" y="0"/>
+          <a:ext cx="0" cy="0"/>
+          <a:chOff x="0" y="0"/>
+          <a:chExt cx="0" cy="0"/>
+        </a:xfrm>
+      </p:grpSpPr>
+      <p:sp>
+        <p:nvSpPr>
+          <p:cNvPr id="67" name="PlaceHolder 1"/>
+          <p:cNvSpPr>
+            <a:spLocks noGrp="1"/>
+          </p:cNvSpPr>
+          <p:nvPr>
+            <p:ph type="title"/>
+          </p:nvPr>
+        </p:nvSpPr>
+        <p:spPr>
+          <a:xfrm>
+            <a:off x="504000" y="301320"/>
+            <a:ext cx="9071280" cy="1262520"/>
+          </a:xfrm>
+          <a:prstGeom prst="rect">
+            <a:avLst/>
+          </a:prstGeom>
+        </p:spPr>
+        <p:txBody>
+          <a:bodyPr lIns="0" rIns="0" tIns="0" bIns="0" anchor="ctr"/>
+          <a:p>
+            <a:pPr algn="ctr"/>
+            <a:endParaRPr/>
+          </a:p>
+        </p:txBody>
+      </p:sp>
+      <p:sp>
+        <p:nvSpPr>
+          <p:cNvPr id="68" name="PlaceHolder 2"/>
+          <p:cNvSpPr>
+            <a:spLocks noGrp="1"/>
+          </p:cNvSpPr>
+          <p:nvPr>
+            <p:ph type="body"/>
+          </p:nvPr>
+        </p:nvSpPr>
+        <p:spPr>
+          <a:xfrm>
+            <a:off x="504000" y="1769040"/>
+            <a:ext cx="9071280" cy="4384080"/>
+          </a:xfrm>
+          <a:prstGeom prst="rect">
+            <a:avLst/>
+          </a:prstGeom>
+        </p:spPr>
+        <p:txBody>
+          <a:bodyPr lIns="0" rIns="0" tIns="0" bIns="0"/>
+          <a:p>
+            <a:endParaRPr/>
+          </a:p>
+        </p:txBody>
+      </p:sp>
+      <p:sp>
+        <p:nvSpPr>
+          <p:cNvPr id="69" name="PlaceHolder 3"/>
+          <p:cNvSpPr>
+            <a:spLocks noGrp="1"/>
+          </p:cNvSpPr>
+          <p:nvPr>
+            <p:ph type="body"/>
+          </p:nvPr>
+        </p:nvSpPr>
+        <p:spPr>
+          <a:xfrm>
+            <a:off x="504000" y="1769040"/>
+            <a:ext cx="9071280" cy="4384080"/>
+          </a:xfrm>
+          <a:prstGeom prst="rect">
+            <a:avLst/>
+          </a:prstGeom>
+        </p:spPr>
+        <p:txBody>
+          <a:bodyPr lIns="0" rIns="0" tIns="0" bIns="0"/>
+          <a:p>
+            <a:endParaRPr/>
+          </a:p>
+        </p:txBody>
+      </p:sp>
+      <p:pic>
+        <p:nvPicPr>
+          <p:cNvPr id="70" name="" descr=""/>
+          <p:cNvPicPr/>
+          <p:nvPr/>
+        </p:nvPicPr>
+        <p:blipFill>
+          <a:blip r:embed="rId2"/>
+          <a:stretch>
+            <a:fillRect/>
+          </a:stretch>
+        </p:blipFill>
+        <p:spPr>
+          <a:xfrm>
+            <a:off x="2292120" y="1769040"/>
+            <a:ext cx="5494680" cy="4384080"/>
+          </a:xfrm>
+          <a:prstGeom prst="rect">
+            <a:avLst/>
+          </a:prstGeom>
+          <a:ln>
+            <a:noFill/>
+          </a:ln>
+        </p:spPr>
+      </p:pic>
+      <p:pic>
+        <p:nvPicPr>
+          <p:cNvPr id="71" name="" descr=""/>
+          <p:cNvPicPr/>
+          <p:nvPr/>
+        </p:nvPicPr>
+        <p:blipFill>
+          <a:blip r:embed="rId3"/>
+          <a:stretch>
+            <a:fillRect/>
+          </a:stretch>
+        </p:blipFill>
+        <p:spPr>
+          <a:xfrm>
+            <a:off x="2292120" y="1769040"/>
+            <a:ext cx="5494680" cy="4384080"/>
+          </a:xfrm>
+          <a:prstGeom prst="rect">
+            <a:avLst/>
+          </a:prstGeom>
+          <a:ln>
+            <a:noFill/>
+          </a:ln>
+        </p:spPr>
+      </p:pic>
     </p:spTree>
   </p:cSld>
 </p:sldLayout>
@@ -535,7 +1696,7 @@
       </p:grpSpPr>
       <p:sp>
         <p:nvSpPr>
-          <p:cNvPr id="7" name="PlaceHolder 1"/>
+          <p:cNvPr id="4" name="PlaceHolder 1"/>
           <p:cNvSpPr>
             <a:spLocks noGrp="1"/>
           </p:cNvSpPr>
@@ -546,7 +1707,7 @@
         <p:spPr>
           <a:xfrm>
             <a:off x="504000" y="301320"/>
-            <a:ext cx="9071640" cy="1262520"/>
+            <a:ext cx="9071280" cy="1262520"/>
           </a:xfrm>
           <a:prstGeom prst="rect">
             <a:avLst/>
@@ -562,7 +1723,7 @@
       </p:sp>
       <p:sp>
         <p:nvSpPr>
-          <p:cNvPr id="8" name="PlaceHolder 2"/>
+          <p:cNvPr id="5" name="PlaceHolder 2"/>
           <p:cNvSpPr>
             <a:spLocks noGrp="1"/>
           </p:cNvSpPr>
@@ -573,7 +1734,7 @@
         <p:spPr>
           <a:xfrm>
             <a:off x="504000" y="1769040"/>
-            <a:ext cx="9071640" cy="4384440"/>
+            <a:ext cx="9071280" cy="4384080"/>
           </a:xfrm>
           <a:prstGeom prst="rect">
             <a:avLst/>
@@ -610,7 +1771,7 @@
       </p:grpSpPr>
       <p:sp>
         <p:nvSpPr>
-          <p:cNvPr id="9" name="PlaceHolder 1"/>
+          <p:cNvPr id="6" name="PlaceHolder 1"/>
           <p:cNvSpPr>
             <a:spLocks noGrp="1"/>
           </p:cNvSpPr>
@@ -621,7 +1782,7 @@
         <p:spPr>
           <a:xfrm>
             <a:off x="504000" y="301320"/>
-            <a:ext cx="9071640" cy="1262520"/>
+            <a:ext cx="9071280" cy="1262520"/>
           </a:xfrm>
           <a:prstGeom prst="rect">
             <a:avLst/>
@@ -637,7 +1798,7 @@
       </p:sp>
       <p:sp>
         <p:nvSpPr>
-          <p:cNvPr id="10" name="PlaceHolder 2"/>
+          <p:cNvPr id="7" name="PlaceHolder 2"/>
           <p:cNvSpPr>
             <a:spLocks noGrp="1"/>
           </p:cNvSpPr>
@@ -648,33 +1809,33 @@
         <p:spPr>
           <a:xfrm>
             <a:off x="504000" y="1769040"/>
-            <a:ext cx="4426920" cy="4384440"/>
-          </a:xfrm>
-          <a:prstGeom prst="rect">
-            <a:avLst/>
-          </a:prstGeom>
-        </p:spPr>
-        <p:txBody>
-          <a:bodyPr lIns="0" rIns="0" tIns="0" bIns="0"/>
-          <a:p>
-            <a:endParaRPr/>
-          </a:p>
-        </p:txBody>
-      </p:sp>
-      <p:sp>
-        <p:nvSpPr>
-          <p:cNvPr id="11" name="PlaceHolder 3"/>
-          <p:cNvSpPr>
-            <a:spLocks noGrp="1"/>
-          </p:cNvSpPr>
-          <p:nvPr>
-            <p:ph type="body"/>
-          </p:nvPr>
-        </p:nvSpPr>
-        <p:spPr>
-          <a:xfrm>
-            <a:off x="5152680" y="1769040"/>
-            <a:ext cx="4426920" cy="4384440"/>
+            <a:ext cx="4426560" cy="4384080"/>
+          </a:xfrm>
+          <a:prstGeom prst="rect">
+            <a:avLst/>
+          </a:prstGeom>
+        </p:spPr>
+        <p:txBody>
+          <a:bodyPr lIns="0" rIns="0" tIns="0" bIns="0"/>
+          <a:p>
+            <a:endParaRPr/>
+          </a:p>
+        </p:txBody>
+      </p:sp>
+      <p:sp>
+        <p:nvSpPr>
+          <p:cNvPr id="8" name="PlaceHolder 3"/>
+          <p:cNvSpPr>
+            <a:spLocks noGrp="1"/>
+          </p:cNvSpPr>
+          <p:nvPr>
+            <p:ph type="body"/>
+          </p:nvPr>
+        </p:nvSpPr>
+        <p:spPr>
+          <a:xfrm>
+            <a:off x="5152320" y="1769040"/>
+            <a:ext cx="4426560" cy="4384080"/>
           </a:xfrm>
           <a:prstGeom prst="rect">
             <a:avLst/>
@@ -711,7 +1872,7 @@
       </p:grpSpPr>
       <p:sp>
         <p:nvSpPr>
-          <p:cNvPr id="12" name="PlaceHolder 1"/>
+          <p:cNvPr id="9" name="PlaceHolder 1"/>
           <p:cNvSpPr>
             <a:spLocks noGrp="1"/>
           </p:cNvSpPr>
@@ -722,7 +1883,7 @@
         <p:spPr>
           <a:xfrm>
             <a:off x="504000" y="301320"/>
-            <a:ext cx="9071640" cy="1262520"/>
+            <a:ext cx="9071280" cy="1262520"/>
           </a:xfrm>
           <a:prstGeom prst="rect">
             <a:avLst/>
@@ -760,7 +1921,7 @@
       </p:grpSpPr>
       <p:sp>
         <p:nvSpPr>
-          <p:cNvPr id="13" name="PlaceHolder 1"/>
+          <p:cNvPr id="10" name="PlaceHolder 1"/>
           <p:cNvSpPr>
             <a:spLocks noGrp="1"/>
           </p:cNvSpPr>
@@ -771,7 +1932,7 @@
         <p:spPr>
           <a:xfrm>
             <a:off x="504000" y="301320"/>
-            <a:ext cx="9071640" cy="5852160"/>
+            <a:ext cx="9071280" cy="5852160"/>
           </a:xfrm>
           <a:prstGeom prst="rect">
             <a:avLst/>
@@ -809,7 +1970,7 @@
       </p:grpSpPr>
       <p:sp>
         <p:nvSpPr>
-          <p:cNvPr id="14" name="PlaceHolder 1"/>
+          <p:cNvPr id="11" name="PlaceHolder 1"/>
           <p:cNvSpPr>
             <a:spLocks noGrp="1"/>
           </p:cNvSpPr>
@@ -820,7 +1981,7 @@
         <p:spPr>
           <a:xfrm>
             <a:off x="504000" y="301320"/>
-            <a:ext cx="9071640" cy="1262520"/>
+            <a:ext cx="9071280" cy="1262520"/>
           </a:xfrm>
           <a:prstGeom prst="rect">
             <a:avLst/>
@@ -836,7 +1997,7 @@
       </p:sp>
       <p:sp>
         <p:nvSpPr>
-          <p:cNvPr id="15" name="PlaceHolder 2"/>
+          <p:cNvPr id="12" name="PlaceHolder 2"/>
           <p:cNvSpPr>
             <a:spLocks noGrp="1"/>
           </p:cNvSpPr>
@@ -847,59 +2008,59 @@
         <p:spPr>
           <a:xfrm>
             <a:off x="504000" y="1769040"/>
-            <a:ext cx="4426920" cy="2091240"/>
-          </a:xfrm>
-          <a:prstGeom prst="rect">
-            <a:avLst/>
-          </a:prstGeom>
-        </p:spPr>
-        <p:txBody>
-          <a:bodyPr lIns="0" rIns="0" tIns="0" bIns="0"/>
-          <a:p>
-            <a:endParaRPr/>
-          </a:p>
-        </p:txBody>
-      </p:sp>
-      <p:sp>
-        <p:nvSpPr>
-          <p:cNvPr id="16" name="PlaceHolder 3"/>
-          <p:cNvSpPr>
-            <a:spLocks noGrp="1"/>
-          </p:cNvSpPr>
-          <p:nvPr>
-            <p:ph type="body"/>
-          </p:nvPr>
-        </p:nvSpPr>
-        <p:spPr>
-          <a:xfrm>
-            <a:off x="504000" y="4059360"/>
-            <a:ext cx="4426920" cy="2091240"/>
-          </a:xfrm>
-          <a:prstGeom prst="rect">
-            <a:avLst/>
-          </a:prstGeom>
-        </p:spPr>
-        <p:txBody>
-          <a:bodyPr lIns="0" rIns="0" tIns="0" bIns="0"/>
-          <a:p>
-            <a:endParaRPr/>
-          </a:p>
-        </p:txBody>
-      </p:sp>
-      <p:sp>
-        <p:nvSpPr>
-          <p:cNvPr id="17" name="PlaceHolder 4"/>
-          <p:cNvSpPr>
-            <a:spLocks noGrp="1"/>
-          </p:cNvSpPr>
-          <p:nvPr>
-            <p:ph type="body"/>
-          </p:nvPr>
-        </p:nvSpPr>
-        <p:spPr>
-          <a:xfrm>
-            <a:off x="5152680" y="1769040"/>
-            <a:ext cx="4426920" cy="4384440"/>
+            <a:ext cx="4426560" cy="2090880"/>
+          </a:xfrm>
+          <a:prstGeom prst="rect">
+            <a:avLst/>
+          </a:prstGeom>
+        </p:spPr>
+        <p:txBody>
+          <a:bodyPr lIns="0" rIns="0" tIns="0" bIns="0"/>
+          <a:p>
+            <a:endParaRPr/>
+          </a:p>
+        </p:txBody>
+      </p:sp>
+      <p:sp>
+        <p:nvSpPr>
+          <p:cNvPr id="13" name="PlaceHolder 3"/>
+          <p:cNvSpPr>
+            <a:spLocks noGrp="1"/>
+          </p:cNvSpPr>
+          <p:nvPr>
+            <p:ph type="body"/>
+          </p:nvPr>
+        </p:nvSpPr>
+        <p:spPr>
+          <a:xfrm>
+            <a:off x="504000" y="4059000"/>
+            <a:ext cx="4426560" cy="2090880"/>
+          </a:xfrm>
+          <a:prstGeom prst="rect">
+            <a:avLst/>
+          </a:prstGeom>
+        </p:spPr>
+        <p:txBody>
+          <a:bodyPr lIns="0" rIns="0" tIns="0" bIns="0"/>
+          <a:p>
+            <a:endParaRPr/>
+          </a:p>
+        </p:txBody>
+      </p:sp>
+      <p:sp>
+        <p:nvSpPr>
+          <p:cNvPr id="14" name="PlaceHolder 4"/>
+          <p:cNvSpPr>
+            <a:spLocks noGrp="1"/>
+          </p:cNvSpPr>
+          <p:nvPr>
+            <p:ph type="body"/>
+          </p:nvPr>
+        </p:nvSpPr>
+        <p:spPr>
+          <a:xfrm>
+            <a:off x="5152320" y="1769040"/>
+            <a:ext cx="4426560" cy="4384080"/>
           </a:xfrm>
           <a:prstGeom prst="rect">
             <a:avLst/>
@@ -936,7 +2097,7 @@
       </p:grpSpPr>
       <p:sp>
         <p:nvSpPr>
-          <p:cNvPr id="18" name="PlaceHolder 1"/>
+          <p:cNvPr id="15" name="PlaceHolder 1"/>
           <p:cNvSpPr>
             <a:spLocks noGrp="1"/>
           </p:cNvSpPr>
@@ -947,7 +2108,7 @@
         <p:spPr>
           <a:xfrm>
             <a:off x="504000" y="301320"/>
-            <a:ext cx="9071640" cy="1262520"/>
+            <a:ext cx="9071280" cy="1262520"/>
           </a:xfrm>
           <a:prstGeom prst="rect">
             <a:avLst/>
@@ -963,7 +2124,7 @@
       </p:sp>
       <p:sp>
         <p:nvSpPr>
-          <p:cNvPr id="19" name="PlaceHolder 2"/>
+          <p:cNvPr id="16" name="PlaceHolder 2"/>
           <p:cNvSpPr>
             <a:spLocks noGrp="1"/>
           </p:cNvSpPr>
@@ -974,59 +2135,59 @@
         <p:spPr>
           <a:xfrm>
             <a:off x="504000" y="1769040"/>
-            <a:ext cx="4426920" cy="4384440"/>
-          </a:xfrm>
-          <a:prstGeom prst="rect">
-            <a:avLst/>
-          </a:prstGeom>
-        </p:spPr>
-        <p:txBody>
-          <a:bodyPr lIns="0" rIns="0" tIns="0" bIns="0"/>
-          <a:p>
-            <a:endParaRPr/>
-          </a:p>
-        </p:txBody>
-      </p:sp>
-      <p:sp>
-        <p:nvSpPr>
-          <p:cNvPr id="20" name="PlaceHolder 3"/>
-          <p:cNvSpPr>
-            <a:spLocks noGrp="1"/>
-          </p:cNvSpPr>
-          <p:nvPr>
-            <p:ph type="body"/>
-          </p:nvPr>
-        </p:nvSpPr>
-        <p:spPr>
-          <a:xfrm>
-            <a:off x="5152680" y="1769040"/>
-            <a:ext cx="4426920" cy="2091240"/>
-          </a:xfrm>
-          <a:prstGeom prst="rect">
-            <a:avLst/>
-          </a:prstGeom>
-        </p:spPr>
-        <p:txBody>
-          <a:bodyPr lIns="0" rIns="0" tIns="0" bIns="0"/>
-          <a:p>
-            <a:endParaRPr/>
-          </a:p>
-        </p:txBody>
-      </p:sp>
-      <p:sp>
-        <p:nvSpPr>
-          <p:cNvPr id="21" name="PlaceHolder 4"/>
-          <p:cNvSpPr>
-            <a:spLocks noGrp="1"/>
-          </p:cNvSpPr>
-          <p:nvPr>
-            <p:ph type="body"/>
-          </p:nvPr>
-        </p:nvSpPr>
-        <p:spPr>
-          <a:xfrm>
-            <a:off x="5152680" y="4059360"/>
-            <a:ext cx="4426920" cy="2091240"/>
+            <a:ext cx="4426560" cy="4384080"/>
+          </a:xfrm>
+          <a:prstGeom prst="rect">
+            <a:avLst/>
+          </a:prstGeom>
+        </p:spPr>
+        <p:txBody>
+          <a:bodyPr lIns="0" rIns="0" tIns="0" bIns="0"/>
+          <a:p>
+            <a:endParaRPr/>
+          </a:p>
+        </p:txBody>
+      </p:sp>
+      <p:sp>
+        <p:nvSpPr>
+          <p:cNvPr id="17" name="PlaceHolder 3"/>
+          <p:cNvSpPr>
+            <a:spLocks noGrp="1"/>
+          </p:cNvSpPr>
+          <p:nvPr>
+            <p:ph type="body"/>
+          </p:nvPr>
+        </p:nvSpPr>
+        <p:spPr>
+          <a:xfrm>
+            <a:off x="5152320" y="1769040"/>
+            <a:ext cx="4426560" cy="2090880"/>
+          </a:xfrm>
+          <a:prstGeom prst="rect">
+            <a:avLst/>
+          </a:prstGeom>
+        </p:spPr>
+        <p:txBody>
+          <a:bodyPr lIns="0" rIns="0" tIns="0" bIns="0"/>
+          <a:p>
+            <a:endParaRPr/>
+          </a:p>
+        </p:txBody>
+      </p:sp>
+      <p:sp>
+        <p:nvSpPr>
+          <p:cNvPr id="18" name="PlaceHolder 4"/>
+          <p:cNvSpPr>
+            <a:spLocks noGrp="1"/>
+          </p:cNvSpPr>
+          <p:nvPr>
+            <p:ph type="body"/>
+          </p:nvPr>
+        </p:nvSpPr>
+        <p:spPr>
+          <a:xfrm>
+            <a:off x="5152320" y="4059000"/>
+            <a:ext cx="4426560" cy="2090880"/>
           </a:xfrm>
           <a:prstGeom prst="rect">
             <a:avLst/>
@@ -1063,7 +2224,7 @@
       </p:grpSpPr>
       <p:sp>
         <p:nvSpPr>
-          <p:cNvPr id="22" name="PlaceHolder 1"/>
+          <p:cNvPr id="19" name="PlaceHolder 1"/>
           <p:cNvSpPr>
             <a:spLocks noGrp="1"/>
           </p:cNvSpPr>
@@ -1074,7 +2235,7 @@
         <p:spPr>
           <a:xfrm>
             <a:off x="504000" y="301320"/>
-            <a:ext cx="9071640" cy="1262520"/>
+            <a:ext cx="9071280" cy="1262520"/>
           </a:xfrm>
           <a:prstGeom prst="rect">
             <a:avLst/>
@@ -1090,7 +2251,7 @@
       </p:sp>
       <p:sp>
         <p:nvSpPr>
-          <p:cNvPr id="23" name="PlaceHolder 2"/>
+          <p:cNvPr id="20" name="PlaceHolder 2"/>
           <p:cNvSpPr>
             <a:spLocks noGrp="1"/>
           </p:cNvSpPr>
@@ -1101,59 +2262,59 @@
         <p:spPr>
           <a:xfrm>
             <a:off x="504000" y="1769040"/>
-            <a:ext cx="4426920" cy="2091240"/>
-          </a:xfrm>
-          <a:prstGeom prst="rect">
-            <a:avLst/>
-          </a:prstGeom>
-        </p:spPr>
-        <p:txBody>
-          <a:bodyPr lIns="0" rIns="0" tIns="0" bIns="0"/>
-          <a:p>
-            <a:endParaRPr/>
-          </a:p>
-        </p:txBody>
-      </p:sp>
-      <p:sp>
-        <p:nvSpPr>
-          <p:cNvPr id="24" name="PlaceHolder 3"/>
-          <p:cNvSpPr>
-            <a:spLocks noGrp="1"/>
-          </p:cNvSpPr>
-          <p:nvPr>
-            <p:ph type="body"/>
-          </p:nvPr>
-        </p:nvSpPr>
-        <p:spPr>
-          <a:xfrm>
-            <a:off x="5152680" y="1769040"/>
-            <a:ext cx="4426920" cy="2091240"/>
-          </a:xfrm>
-          <a:prstGeom prst="rect">
-            <a:avLst/>
-          </a:prstGeom>
-        </p:spPr>
-        <p:txBody>
-          <a:bodyPr lIns="0" rIns="0" tIns="0" bIns="0"/>
-          <a:p>
-            <a:endParaRPr/>
-          </a:p>
-        </p:txBody>
-      </p:sp>
-      <p:sp>
-        <p:nvSpPr>
-          <p:cNvPr id="25" name="PlaceHolder 4"/>
-          <p:cNvSpPr>
-            <a:spLocks noGrp="1"/>
-          </p:cNvSpPr>
-          <p:nvPr>
-            <p:ph type="body"/>
-          </p:nvPr>
-        </p:nvSpPr>
-        <p:spPr>
-          <a:xfrm>
-            <a:off x="504000" y="4059360"/>
-            <a:ext cx="9071640" cy="2091240"/>
+            <a:ext cx="4426560" cy="2090880"/>
+          </a:xfrm>
+          <a:prstGeom prst="rect">
+            <a:avLst/>
+          </a:prstGeom>
+        </p:spPr>
+        <p:txBody>
+          <a:bodyPr lIns="0" rIns="0" tIns="0" bIns="0"/>
+          <a:p>
+            <a:endParaRPr/>
+          </a:p>
+        </p:txBody>
+      </p:sp>
+      <p:sp>
+        <p:nvSpPr>
+          <p:cNvPr id="21" name="PlaceHolder 3"/>
+          <p:cNvSpPr>
+            <a:spLocks noGrp="1"/>
+          </p:cNvSpPr>
+          <p:nvPr>
+            <p:ph type="body"/>
+          </p:nvPr>
+        </p:nvSpPr>
+        <p:spPr>
+          <a:xfrm>
+            <a:off x="5152320" y="1769040"/>
+            <a:ext cx="4426560" cy="2090880"/>
+          </a:xfrm>
+          <a:prstGeom prst="rect">
+            <a:avLst/>
+          </a:prstGeom>
+        </p:spPr>
+        <p:txBody>
+          <a:bodyPr lIns="0" rIns="0" tIns="0" bIns="0"/>
+          <a:p>
+            <a:endParaRPr/>
+          </a:p>
+        </p:txBody>
+      </p:sp>
+      <p:sp>
+        <p:nvSpPr>
+          <p:cNvPr id="22" name="PlaceHolder 4"/>
+          <p:cNvSpPr>
+            <a:spLocks noGrp="1"/>
+          </p:cNvSpPr>
+          <p:nvPr>
+            <p:ph type="body"/>
+          </p:nvPr>
+        </p:nvSpPr>
+        <p:spPr>
+          <a:xfrm>
+            <a:off x="504000" y="4059000"/>
+            <a:ext cx="9071280" cy="2090880"/>
           </a:xfrm>
           <a:prstGeom prst="rect">
             <a:avLst/>
@@ -1201,7 +2362,7 @@
         <p:spPr>
           <a:xfrm>
             <a:off x="504000" y="301320"/>
-            <a:ext cx="9071640" cy="1262160"/>
+            <a:ext cx="9071280" cy="1262160"/>
           </a:xfrm>
           <a:prstGeom prst="rect">
             <a:avLst/>
@@ -1210,9 +2371,8 @@
         <p:txBody>
           <a:bodyPr lIns="0" rIns="0" tIns="0" bIns="0" anchor="ctr"/>
           <a:p>
-            <a:pPr algn="ctr"/>
-            <a:r>
-              <a:rPr lang="en-US" sz="4400">
+            <a:r>
+              <a:rPr lang="en-US">
                 <a:latin typeface="Arial"/>
               </a:rPr>
               <a:t>Click to edit the title text format</a:t>
@@ -1233,8 +2393,8 @@
         </p:nvSpPr>
         <p:spPr>
           <a:xfrm>
-            <a:off x="504000" y="1769040"/>
-            <a:ext cx="9071640" cy="4384440"/>
+            <a:off x="504000" y="1768680"/>
+            <a:ext cx="9072000" cy="4384080"/>
           </a:xfrm>
           <a:prstGeom prst="rect">
             <a:avLst/>
@@ -1338,104 +2498,6 @@
               </a:rPr>
               <a:t>Seventh Outline Level</a:t>
             </a:r>
-            <a:endParaRPr/>
-          </a:p>
-        </p:txBody>
-      </p:sp>
-      <p:sp>
-        <p:nvSpPr>
-          <p:cNvPr id="2" name="PlaceHolder 3"/>
-          <p:cNvSpPr>
-            <a:spLocks noGrp="1"/>
-          </p:cNvSpPr>
-          <p:nvPr>
-            <p:ph type="dt"/>
-          </p:nvPr>
-        </p:nvSpPr>
-        <p:spPr>
-          <a:xfrm>
-            <a:off x="504000" y="6887160"/>
-            <a:ext cx="2348280" cy="521280"/>
-          </a:xfrm>
-          <a:prstGeom prst="rect">
-            <a:avLst/>
-          </a:prstGeom>
-        </p:spPr>
-        <p:txBody>
-          <a:bodyPr lIns="0" rIns="0" tIns="0" bIns="0"/>
-          <a:p>
-            <a:r>
-              <a:rPr lang="en-US" sz="1400">
-                <a:latin typeface="Times New Roman"/>
-              </a:rPr>
-              <a:t>&lt;date/time&gt;</a:t>
-            </a:r>
-            <a:endParaRPr/>
-          </a:p>
-        </p:txBody>
-      </p:sp>
-      <p:sp>
-        <p:nvSpPr>
-          <p:cNvPr id="3" name="PlaceHolder 4"/>
-          <p:cNvSpPr>
-            <a:spLocks noGrp="1"/>
-          </p:cNvSpPr>
-          <p:nvPr>
-            <p:ph type="ftr"/>
-          </p:nvPr>
-        </p:nvSpPr>
-        <p:spPr>
-          <a:xfrm>
-            <a:off x="3447360" y="6887160"/>
-            <a:ext cx="3195000" cy="521280"/>
-          </a:xfrm>
-          <a:prstGeom prst="rect">
-            <a:avLst/>
-          </a:prstGeom>
-        </p:spPr>
-        <p:txBody>
-          <a:bodyPr lIns="0" rIns="0" tIns="0" bIns="0"/>
-          <a:p>
-            <a:pPr algn="ctr"/>
-            <a:r>
-              <a:rPr lang="en-US" sz="1400">
-                <a:latin typeface="Times New Roman"/>
-              </a:rPr>
-              <a:t>&lt;footer&gt;</a:t>
-            </a:r>
-            <a:endParaRPr/>
-          </a:p>
-        </p:txBody>
-      </p:sp>
-      <p:sp>
-        <p:nvSpPr>
-          <p:cNvPr id="4" name="PlaceHolder 5"/>
-          <p:cNvSpPr>
-            <a:spLocks noGrp="1"/>
-          </p:cNvSpPr>
-          <p:nvPr>
-            <p:ph type="sldNum"/>
-          </p:nvPr>
-        </p:nvSpPr>
-        <p:spPr>
-          <a:xfrm>
-            <a:off x="7227360" y="6887160"/>
-            <a:ext cx="2348280" cy="521280"/>
-          </a:xfrm>
-          <a:prstGeom prst="rect">
-            <a:avLst/>
-          </a:prstGeom>
-        </p:spPr>
-        <p:txBody>
-          <a:bodyPr lIns="0" rIns="0" tIns="0" bIns="0"/>
-          <a:p>
-            <a:pPr algn="r"/>
-            <a:fld id="{A6A360C7-7F6E-4849-A66C-C10B549C5794}" type="slidenum">
-              <a:rPr lang="en-US" sz="1400">
-                <a:latin typeface="Times New Roman"/>
-              </a:rPr>
-              <a:t>&lt;number&gt;</a:t>
-            </a:fld>
             <a:endParaRPr/>
           </a:p>
         </p:txBody>
@@ -1456,6 +2518,196 @@
     <p:sldLayoutId id="2147483658" r:id="rId11"/>
     <p:sldLayoutId id="2147483659" r:id="rId12"/>
     <p:sldLayoutId id="2147483660" r:id="rId13"/>
+  </p:sldLayoutIdLst>
+</p:sldMaster>
+</file>
+
+<file path=ppt/slideMasters/slideMaster2.xml><?xml version="1.0" encoding="utf-8"?>
+<p:sldMaster xmlns:a="http://schemas.openxmlformats.org/drawingml/2006/main" xmlns:p="http://schemas.openxmlformats.org/presentationml/2006/main" xmlns:r="http://schemas.openxmlformats.org/officeDocument/2006/relationships">
+  <p:cSld>
+    <p:spTree>
+      <p:nvGrpSpPr>
+        <p:cNvPr id="1" name=""/>
+        <p:cNvGrpSpPr/>
+        <p:nvPr/>
+      </p:nvGrpSpPr>
+      <p:grpSpPr>
+        <a:xfrm>
+          <a:off x="0" y="0"/>
+          <a:ext cx="0" cy="0"/>
+          <a:chOff x="0" y="0"/>
+          <a:chExt cx="0" cy="0"/>
+        </a:xfrm>
+      </p:grpSpPr>
+      <p:sp>
+        <p:nvSpPr>
+          <p:cNvPr id="36" name="PlaceHolder 1"/>
+          <p:cNvSpPr>
+            <a:spLocks noGrp="1"/>
+          </p:cNvSpPr>
+          <p:nvPr>
+            <p:ph type="title"/>
+          </p:nvPr>
+        </p:nvSpPr>
+        <p:spPr>
+          <a:xfrm>
+            <a:off x="504000" y="301320"/>
+            <a:ext cx="9071280" cy="1262160"/>
+          </a:xfrm>
+          <a:prstGeom prst="rect">
+            <a:avLst/>
+          </a:prstGeom>
+        </p:spPr>
+        <p:txBody>
+          <a:bodyPr lIns="0" rIns="0" tIns="0" bIns="0" anchor="ctr"/>
+          <a:p>
+            <a:r>
+              <a:rPr lang="en-US">
+                <a:latin typeface="Arial"/>
+              </a:rPr>
+              <a:t>Click to edit the title text format</a:t>
+            </a:r>
+            <a:endParaRPr/>
+          </a:p>
+        </p:txBody>
+      </p:sp>
+      <p:sp>
+        <p:nvSpPr>
+          <p:cNvPr id="37" name="PlaceHolder 2"/>
+          <p:cNvSpPr>
+            <a:spLocks noGrp="1"/>
+          </p:cNvSpPr>
+          <p:nvPr>
+            <p:ph type="body"/>
+          </p:nvPr>
+        </p:nvSpPr>
+        <p:spPr>
+          <a:xfrm>
+            <a:off x="504000" y="1769040"/>
+            <a:ext cx="9071280" cy="4384080"/>
+          </a:xfrm>
+          <a:prstGeom prst="rect">
+            <a:avLst/>
+          </a:prstGeom>
+        </p:spPr>
+        <p:txBody>
+          <a:bodyPr lIns="0" rIns="0" tIns="0" bIns="0"/>
+          <a:p>
+            <a:pPr>
+              <a:buSzPct val="45000"/>
+              <a:buFont typeface="StarSymbol"/>
+              <a:buChar char=""/>
+            </a:pPr>
+            <a:r>
+              <a:rPr lang="en-US">
+                <a:latin typeface="Arial"/>
+              </a:rPr>
+              <a:t>Click to edit the outline text format</a:t>
+            </a:r>
+            <a:endParaRPr/>
+          </a:p>
+          <a:p>
+            <a:pPr lvl="1">
+              <a:buSzPct val="75000"/>
+              <a:buFont typeface="StarSymbol"/>
+              <a:buChar char=""/>
+            </a:pPr>
+            <a:r>
+              <a:rPr lang="en-US">
+                <a:latin typeface="Arial"/>
+              </a:rPr>
+              <a:t>Second Outline Level</a:t>
+            </a:r>
+            <a:endParaRPr/>
+          </a:p>
+          <a:p>
+            <a:pPr lvl="2">
+              <a:buSzPct val="45000"/>
+              <a:buFont typeface="StarSymbol"/>
+              <a:buChar char=""/>
+            </a:pPr>
+            <a:r>
+              <a:rPr lang="en-US">
+                <a:latin typeface="Arial"/>
+              </a:rPr>
+              <a:t>Third Outline Level</a:t>
+            </a:r>
+            <a:endParaRPr/>
+          </a:p>
+          <a:p>
+            <a:pPr lvl="3">
+              <a:buSzPct val="75000"/>
+              <a:buFont typeface="StarSymbol"/>
+              <a:buChar char=""/>
+            </a:pPr>
+            <a:r>
+              <a:rPr lang="en-US">
+                <a:latin typeface="Arial"/>
+              </a:rPr>
+              <a:t>Fourth Outline Level</a:t>
+            </a:r>
+            <a:endParaRPr/>
+          </a:p>
+          <a:p>
+            <a:pPr lvl="4">
+              <a:buSzPct val="45000"/>
+              <a:buFont typeface="StarSymbol"/>
+              <a:buChar char=""/>
+            </a:pPr>
+            <a:r>
+              <a:rPr lang="en-US">
+                <a:latin typeface="Arial"/>
+              </a:rPr>
+              <a:t>Fifth Outline Level</a:t>
+            </a:r>
+            <a:endParaRPr/>
+          </a:p>
+          <a:p>
+            <a:pPr lvl="5">
+              <a:buSzPct val="45000"/>
+              <a:buFont typeface="StarSymbol"/>
+              <a:buChar char=""/>
+            </a:pPr>
+            <a:r>
+              <a:rPr lang="en-US">
+                <a:latin typeface="Arial"/>
+              </a:rPr>
+              <a:t>Sixth Outline Level</a:t>
+            </a:r>
+            <a:endParaRPr/>
+          </a:p>
+          <a:p>
+            <a:pPr lvl="6">
+              <a:buSzPct val="45000"/>
+              <a:buFont typeface="StarSymbol"/>
+              <a:buChar char=""/>
+            </a:pPr>
+            <a:r>
+              <a:rPr lang="en-US">
+                <a:latin typeface="Arial"/>
+              </a:rPr>
+              <a:t>Seventh Outline Level</a:t>
+            </a:r>
+            <a:endParaRPr/>
+          </a:p>
+        </p:txBody>
+      </p:sp>
+    </p:spTree>
+  </p:cSld>
+  <p:clrMap bg1="lt1" bg2="lt2" tx1="dk1" tx2="dk2" accent1="accent1" accent2="accent2" accent3="accent3" accent4="accent4" accent5="accent5" accent6="accent6" hlink="hlink" folHlink="folHlink"/>
+  <p:sldLayoutIdLst>
+    <p:sldLayoutId id="2147483662" r:id="rId2"/>
+    <p:sldLayoutId id="2147483663" r:id="rId3"/>
+    <p:sldLayoutId id="2147483664" r:id="rId4"/>
+    <p:sldLayoutId id="2147483665" r:id="rId5"/>
+    <p:sldLayoutId id="2147483666" r:id="rId6"/>
+    <p:sldLayoutId id="2147483667" r:id="rId7"/>
+    <p:sldLayoutId id="2147483668" r:id="rId8"/>
+    <p:sldLayoutId id="2147483669" r:id="rId9"/>
+    <p:sldLayoutId id="2147483670" r:id="rId10"/>
+    <p:sldLayoutId id="2147483671" r:id="rId11"/>
+    <p:sldLayoutId id="2147483672" r:id="rId12"/>
+    <p:sldLayoutId id="2147483673" r:id="rId13"/>
   </p:sldLayoutIdLst>
 </p:sldMaster>
 </file>
@@ -1479,23 +2731,31 @@
       </p:grpSpPr>
       <p:sp>
         <p:nvSpPr>
-          <p:cNvPr id="39" name="TextShape 1"/>
-          <p:cNvSpPr txBox="1"/>
+          <p:cNvPr id="72" name="CustomShape 1"/>
+          <p:cNvSpPr/>
           <p:nvPr/>
         </p:nvSpPr>
         <p:spPr>
           <a:xfrm>
             <a:off x="504000" y="199440"/>
-            <a:ext cx="9071640" cy="1466280"/>
-          </a:xfrm>
-          <a:prstGeom prst="rect">
-            <a:avLst/>
-          </a:prstGeom>
+            <a:ext cx="9071280" cy="1465920"/>
+          </a:xfrm>
+          <a:prstGeom prst="rect">
+            <a:avLst/>
+          </a:prstGeom>
+          <a:noFill/>
+          <a:ln>
+            <a:noFill/>
+          </a:ln>
         </p:spPr>
         <p:txBody>
           <a:bodyPr lIns="0" rIns="0" tIns="0" bIns="0" anchor="ctr"/>
           <a:p>
-            <a:pPr algn="ctr"/>
+            <a:pPr algn="ctr">
+              <a:lnSpc>
+                <a:spcPct val="100000"/>
+              </a:lnSpc>
+            </a:pPr>
             <a:r>
               <a:rPr lang="en-US" sz="4400">
                 <a:latin typeface="Arial"/>
@@ -1520,26 +2780,23 @@
       </p:sp>
       <p:sp>
         <p:nvSpPr>
-          <p:cNvPr id="40" name="TextShape 2"/>
-          <p:cNvSpPr txBox="1"/>
+          <p:cNvPr id="73" name="CustomShape 2"/>
+          <p:cNvSpPr/>
           <p:nvPr/>
         </p:nvSpPr>
         <p:spPr>
           <a:xfrm>
             <a:off x="504000" y="1769040"/>
-            <a:ext cx="9071640" cy="4384440"/>
-          </a:xfrm>
-          <a:prstGeom prst="rect">
-            <a:avLst/>
-          </a:prstGeom>
-        </p:spPr>
-        <p:txBody>
-          <a:bodyPr lIns="0" rIns="0" tIns="0" bIns="0" anchor="ctr"/>
-          <a:p>
-            <a:pPr algn="ctr"/>
-            <a:endParaRPr/>
-          </a:p>
-        </p:txBody>
+            <a:ext cx="9071280" cy="4384080"/>
+          </a:xfrm>
+          <a:prstGeom prst="rect">
+            <a:avLst/>
+          </a:prstGeom>
+          <a:noFill/>
+          <a:ln>
+            <a:noFill/>
+          </a:ln>
+        </p:spPr>
       </p:sp>
     </p:spTree>
   </p:cSld>
@@ -1592,14 +2849,14 @@
       </p:grpSpPr>
       <p:sp>
         <p:nvSpPr>
-          <p:cNvPr id="41" name="TextShape 1"/>
+          <p:cNvPr id="74" name="TextShape 1"/>
           <p:cNvSpPr txBox="1"/>
           <p:nvPr/>
         </p:nvSpPr>
         <p:spPr>
           <a:xfrm>
             <a:off x="504000" y="301320"/>
-            <a:ext cx="9071640" cy="1262160"/>
+            <a:ext cx="9071280" cy="1262160"/>
           </a:xfrm>
           <a:prstGeom prst="rect">
             <a:avLst/>
@@ -1609,28 +2866,93 @@
           <a:bodyPr lIns="0" rIns="0" tIns="0" bIns="0" anchor="ctr"/>
           <a:p>
             <a:pPr algn="ctr"/>
-            <a:endParaRPr/>
-          </a:p>
-        </p:txBody>
-      </p:sp>
-      <p:sp>
-        <p:nvSpPr>
-          <p:cNvPr id="42" name="TextShape 2"/>
+            <a:r>
+              <a:rPr lang="en-US" sz="4400">
+                <a:latin typeface="Arial"/>
+              </a:rPr>
+              <a:t>基类的</a:t>
+            </a:r>
+            <a:r>
+              <a:rPr lang="en-US" sz="4400">
+                <a:latin typeface="Arial"/>
+              </a:rPr>
+              <a:t>private</a:t>
+            </a:r>
+            <a:r>
+              <a:rPr lang="en-US" sz="4400">
+                <a:latin typeface="Arial"/>
+              </a:rPr>
+              <a:t>成员</a:t>
+            </a:r>
+            <a:endParaRPr/>
+          </a:p>
+        </p:txBody>
+      </p:sp>
+      <p:sp>
+        <p:nvSpPr>
+          <p:cNvPr id="75" name="TextShape 2"/>
           <p:cNvSpPr txBox="1"/>
           <p:nvPr/>
         </p:nvSpPr>
         <p:spPr>
           <a:xfrm>
             <a:off x="504000" y="1769040"/>
-            <a:ext cx="9071640" cy="4384440"/>
-          </a:xfrm>
-          <a:prstGeom prst="rect">
-            <a:avLst/>
-          </a:prstGeom>
-        </p:spPr>
-        <p:txBody>
-          <a:bodyPr lIns="0" rIns="0" tIns="0" bIns="0"/>
-          <a:p>
+            <a:ext cx="9071280" cy="4384080"/>
+          </a:xfrm>
+          <a:prstGeom prst="rect">
+            <a:avLst/>
+          </a:prstGeom>
+        </p:spPr>
+        <p:txBody>
+          <a:bodyPr lIns="0" rIns="0" tIns="0" bIns="0"/>
+          <a:p>
+            <a:pPr>
+              <a:buSzPct val="45000"/>
+              <a:buFont typeface="StarSymbol"/>
+              <a:buChar char=""/>
+            </a:pPr>
+            <a:r>
+              <a:rPr lang="en-US" sz="3200">
+                <a:latin typeface="Arial"/>
+              </a:rPr>
+              <a:t>可以被下列函数访问</a:t>
+            </a:r>
+            <a:endParaRPr/>
+          </a:p>
+          <a:p>
+            <a:pPr lvl="1">
+              <a:buSzPct val="75000"/>
+              <a:buFont typeface="StarSymbol"/>
+              <a:buChar char=""/>
+            </a:pPr>
+            <a:r>
+              <a:rPr lang="en-US" sz="2800">
+                <a:latin typeface="Arial"/>
+              </a:rPr>
+              <a:t>基类的成员函数</a:t>
+            </a:r>
+            <a:endParaRPr/>
+          </a:p>
+          <a:p>
+            <a:pPr lvl="1">
+              <a:buSzPct val="75000"/>
+              <a:buFont typeface="StarSymbol"/>
+              <a:buChar char=""/>
+            </a:pPr>
+            <a:r>
+              <a:rPr lang="en-US" sz="2800">
+                <a:latin typeface="Arial"/>
+              </a:rPr>
+              <a:t>基类的友元函数</a:t>
+            </a:r>
+            <a:endParaRPr/>
+          </a:p>
+          <a:p>
+            <a:pPr lvl="1">
+              <a:buSzPct val="75000"/>
+              <a:buFont typeface="StarSymbol"/>
+              <a:buChar char=""/>
+            </a:pPr>
             <a:endParaRPr/>
           </a:p>
         </p:txBody>
@@ -1644,6 +2966,380 @@
           <p:childTnLst>
             <p:seq>
               <p:cTn id="4" nodeType="mainSeq"/>
+              <p:prevCondLst>
+                <p:cond delay="0" evt="onPrev">
+                  <p:tgtEl>
+                    <p:sldTgt/>
+                  </p:tgtEl>
+                </p:cond>
+              </p:prevCondLst>
+              <p:nextCondLst>
+                <p:cond delay="0" evt="onNext">
+                  <p:tgtEl>
+                    <p:sldTgt/>
+                  </p:tgtEl>
+                </p:cond>
+              </p:nextCondLst>
+            </p:seq>
+          </p:childTnLst>
+        </p:cTn>
+      </p:par>
+    </p:tnLst>
+  </p:timing>
+</p:sld>
+</file>
+
+<file path=ppt/slides/slide3.xml><?xml version="1.0" encoding="utf-8"?>
+<p:sld xmlns:a="http://schemas.openxmlformats.org/drawingml/2006/main" xmlns:p="http://schemas.openxmlformats.org/presentationml/2006/main" xmlns:r="http://schemas.openxmlformats.org/officeDocument/2006/relationships">
+  <p:cSld>
+    <p:spTree>
+      <p:nvGrpSpPr>
+        <p:cNvPr id="1" name=""/>
+        <p:cNvGrpSpPr/>
+        <p:nvPr/>
+      </p:nvGrpSpPr>
+      <p:grpSpPr>
+        <a:xfrm>
+          <a:off x="0" y="0"/>
+          <a:ext cx="0" cy="0"/>
+          <a:chOff x="0" y="0"/>
+          <a:chExt cx="0" cy="0"/>
+        </a:xfrm>
+      </p:grpSpPr>
+      <p:sp>
+        <p:nvSpPr>
+          <p:cNvPr id="76" name="TextShape 1"/>
+          <p:cNvSpPr txBox="1"/>
+          <p:nvPr/>
+        </p:nvSpPr>
+        <p:spPr>
+          <a:xfrm>
+            <a:off x="504000" y="301320"/>
+            <a:ext cx="9071280" cy="1262160"/>
+          </a:xfrm>
+          <a:prstGeom prst="rect">
+            <a:avLst/>
+          </a:prstGeom>
+        </p:spPr>
+        <p:txBody>
+          <a:bodyPr lIns="0" rIns="0" tIns="0" bIns="0" anchor="ctr"/>
+          <a:p>
+            <a:pPr algn="ctr"/>
+            <a:r>
+              <a:rPr lang="en-US" sz="4400">
+                <a:latin typeface="Arial"/>
+              </a:rPr>
+              <a:t>基类的</a:t>
+            </a:r>
+            <a:r>
+              <a:rPr lang="en-US" sz="4400">
+                <a:latin typeface="Arial"/>
+              </a:rPr>
+              <a:t>public</a:t>
+            </a:r>
+            <a:r>
+              <a:rPr lang="en-US" sz="4400">
+                <a:latin typeface="Arial"/>
+              </a:rPr>
+              <a:t>成员</a:t>
+            </a:r>
+            <a:endParaRPr/>
+          </a:p>
+        </p:txBody>
+      </p:sp>
+      <p:sp>
+        <p:nvSpPr>
+          <p:cNvPr id="77" name="TextShape 2"/>
+          <p:cNvSpPr txBox="1"/>
+          <p:nvPr/>
+        </p:nvSpPr>
+        <p:spPr>
+          <a:xfrm>
+            <a:off x="504000" y="1769040"/>
+            <a:ext cx="9071280" cy="4384080"/>
+          </a:xfrm>
+          <a:prstGeom prst="rect">
+            <a:avLst/>
+          </a:prstGeom>
+        </p:spPr>
+        <p:txBody>
+          <a:bodyPr lIns="0" rIns="0" tIns="0" bIns="0"/>
+          <a:p>
+            <a:pPr>
+              <a:buSzPct val="45000"/>
+              <a:buFont typeface="StarSymbol"/>
+              <a:buChar char=""/>
+            </a:pPr>
+            <a:r>
+              <a:rPr lang="en-US" sz="3200">
+                <a:latin typeface="Arial"/>
+              </a:rPr>
+              <a:t>可以被下列函数访问</a:t>
+            </a:r>
+            <a:endParaRPr/>
+          </a:p>
+          <a:p>
+            <a:pPr lvl="1">
+              <a:buSzPct val="75000"/>
+              <a:buFont typeface="StarSymbol"/>
+              <a:buChar char=""/>
+            </a:pPr>
+            <a:r>
+              <a:rPr lang="en-US" sz="2800">
+                <a:latin typeface="Arial"/>
+              </a:rPr>
+              <a:t>基类的成员函数</a:t>
+            </a:r>
+            <a:endParaRPr/>
+          </a:p>
+          <a:p>
+            <a:pPr lvl="1">
+              <a:buSzPct val="75000"/>
+              <a:buFont typeface="StarSymbol"/>
+              <a:buChar char=""/>
+            </a:pPr>
+            <a:r>
+              <a:rPr lang="en-US" sz="2800">
+                <a:latin typeface="Arial"/>
+              </a:rPr>
+              <a:t>基类的友元函数</a:t>
+            </a:r>
+            <a:endParaRPr/>
+          </a:p>
+          <a:p>
+            <a:pPr lvl="1">
+              <a:buSzPct val="75000"/>
+              <a:buFont typeface="StarSymbol"/>
+              <a:buChar char=""/>
+            </a:pPr>
+            <a:r>
+              <a:rPr lang="en-US" sz="2800">
+                <a:latin typeface="Arial"/>
+              </a:rPr>
+              <a:t>派生类的成员函数</a:t>
+            </a:r>
+            <a:endParaRPr/>
+          </a:p>
+          <a:p>
+            <a:pPr lvl="1">
+              <a:buSzPct val="75000"/>
+              <a:buFont typeface="StarSymbol"/>
+              <a:buChar char=""/>
+            </a:pPr>
+            <a:r>
+              <a:rPr lang="en-US" sz="2800">
+                <a:latin typeface="Arial"/>
+              </a:rPr>
+              <a:t>派生类的友元函数</a:t>
+            </a:r>
+            <a:endParaRPr/>
+          </a:p>
+          <a:p>
+            <a:pPr lvl="1">
+              <a:buSzPct val="75000"/>
+              <a:buFont typeface="StarSymbol"/>
+              <a:buChar char=""/>
+            </a:pPr>
+            <a:r>
+              <a:rPr lang="en-US" sz="2800">
+                <a:latin typeface="Arial"/>
+              </a:rPr>
+              <a:t>其他的函数</a:t>
+            </a:r>
+            <a:endParaRPr/>
+          </a:p>
+          <a:p>
+            <a:pPr lvl="1">
+              <a:buSzPct val="75000"/>
+              <a:buFont typeface="StarSymbol"/>
+              <a:buChar char=""/>
+            </a:pPr>
+            <a:endParaRPr/>
+          </a:p>
+        </p:txBody>
+      </p:sp>
+    </p:spTree>
+  </p:cSld>
+  <p:timing>
+    <p:tnLst>
+      <p:par>
+        <p:cTn id="5" dur="indefinite" restart="never" nodeType="tmRoot">
+          <p:childTnLst>
+            <p:seq>
+              <p:cTn id="6" nodeType="mainSeq"/>
+              <p:prevCondLst>
+                <p:cond delay="0" evt="onPrev">
+                  <p:tgtEl>
+                    <p:sldTgt/>
+                  </p:tgtEl>
+                </p:cond>
+              </p:prevCondLst>
+              <p:nextCondLst>
+                <p:cond delay="0" evt="onNext">
+                  <p:tgtEl>
+                    <p:sldTgt/>
+                  </p:tgtEl>
+                </p:cond>
+              </p:nextCondLst>
+            </p:seq>
+          </p:childTnLst>
+        </p:cTn>
+      </p:par>
+    </p:tnLst>
+  </p:timing>
+</p:sld>
+</file>
+
+<file path=ppt/slides/slide4.xml><?xml version="1.0" encoding="utf-8"?>
+<p:sld xmlns:a="http://schemas.openxmlformats.org/drawingml/2006/main" xmlns:p="http://schemas.openxmlformats.org/presentationml/2006/main" xmlns:r="http://schemas.openxmlformats.org/officeDocument/2006/relationships">
+  <p:cSld>
+    <p:spTree>
+      <p:nvGrpSpPr>
+        <p:cNvPr id="1" name=""/>
+        <p:cNvGrpSpPr/>
+        <p:nvPr/>
+      </p:nvGrpSpPr>
+      <p:grpSpPr>
+        <a:xfrm>
+          <a:off x="0" y="0"/>
+          <a:ext cx="0" cy="0"/>
+          <a:chOff x="0" y="0"/>
+          <a:chExt cx="0" cy="0"/>
+        </a:xfrm>
+      </p:grpSpPr>
+      <p:sp>
+        <p:nvSpPr>
+          <p:cNvPr id="78" name="TextShape 1"/>
+          <p:cNvSpPr txBox="1"/>
+          <p:nvPr/>
+        </p:nvSpPr>
+        <p:spPr>
+          <a:xfrm>
+            <a:off x="504000" y="301320"/>
+            <a:ext cx="9071280" cy="1262160"/>
+          </a:xfrm>
+          <a:prstGeom prst="rect">
+            <a:avLst/>
+          </a:prstGeom>
+        </p:spPr>
+        <p:txBody>
+          <a:bodyPr lIns="0" rIns="0" tIns="0" bIns="0" anchor="ctr"/>
+          <a:p>
+            <a:pPr algn="ctr"/>
+            <a:r>
+              <a:rPr lang="en-US" sz="4400">
+                <a:latin typeface="Arial"/>
+              </a:rPr>
+              <a:t>基类的</a:t>
+            </a:r>
+            <a:r>
+              <a:rPr lang="en-US" sz="4400">
+                <a:latin typeface="Arial"/>
+              </a:rPr>
+              <a:t>protected</a:t>
+            </a:r>
+            <a:r>
+              <a:rPr lang="en-US" sz="4400">
+                <a:latin typeface="Arial"/>
+              </a:rPr>
+              <a:t>成员</a:t>
+            </a:r>
+            <a:endParaRPr/>
+          </a:p>
+        </p:txBody>
+      </p:sp>
+      <p:sp>
+        <p:nvSpPr>
+          <p:cNvPr id="79" name="TextShape 2"/>
+          <p:cNvSpPr txBox="1"/>
+          <p:nvPr/>
+        </p:nvSpPr>
+        <p:spPr>
+          <a:xfrm>
+            <a:off x="504000" y="1769040"/>
+            <a:ext cx="9071280" cy="4384080"/>
+          </a:xfrm>
+          <a:prstGeom prst="rect">
+            <a:avLst/>
+          </a:prstGeom>
+        </p:spPr>
+        <p:txBody>
+          <a:bodyPr lIns="0" rIns="0" tIns="0" bIns="0"/>
+          <a:p>
+            <a:pPr>
+              <a:buSzPct val="45000"/>
+              <a:buFont typeface="StarSymbol"/>
+              <a:buChar char=""/>
+            </a:pPr>
+            <a:r>
+              <a:rPr lang="en-US" sz="3200">
+                <a:latin typeface="Arial"/>
+              </a:rPr>
+              <a:t>可以被下列函数访问</a:t>
+            </a:r>
+            <a:endParaRPr/>
+          </a:p>
+          <a:p>
+            <a:pPr lvl="1">
+              <a:buSzPct val="75000"/>
+              <a:buFont typeface="StarSymbol"/>
+              <a:buChar char=""/>
+            </a:pPr>
+            <a:r>
+              <a:rPr lang="en-US" sz="2800">
+                <a:latin typeface="Arial"/>
+              </a:rPr>
+              <a:t>基类的成员函数</a:t>
+            </a:r>
+            <a:endParaRPr/>
+          </a:p>
+          <a:p>
+            <a:pPr lvl="1">
+              <a:buSzPct val="75000"/>
+              <a:buFont typeface="StarSymbol"/>
+              <a:buChar char=""/>
+            </a:pPr>
+            <a:r>
+              <a:rPr lang="en-US" sz="2800">
+                <a:latin typeface="Arial"/>
+              </a:rPr>
+              <a:t>基类的友元函数</a:t>
+            </a:r>
+            <a:endParaRPr/>
+          </a:p>
+          <a:p>
+            <a:pPr lvl="1">
+              <a:buSzPct val="75000"/>
+              <a:buFont typeface="StarSymbol"/>
+              <a:buChar char=""/>
+            </a:pPr>
+            <a:r>
+              <a:rPr lang="en-US" sz="2800">
+                <a:latin typeface="Arial"/>
+              </a:rPr>
+              <a:t>派生类的成员函数可以访问当前对象的基类的保护成员</a:t>
+            </a:r>
+            <a:endParaRPr/>
+          </a:p>
+          <a:p>
+            <a:pPr lvl="1">
+              <a:buSzPct val="75000"/>
+              <a:buFont typeface="StarSymbol"/>
+              <a:buChar char=""/>
+            </a:pPr>
+            <a:endParaRPr/>
+          </a:p>
+        </p:txBody>
+      </p:sp>
+    </p:spTree>
+  </p:cSld>
+  <p:timing>
+    <p:tnLst>
+      <p:par>
+        <p:cTn id="7" dur="indefinite" restart="never" nodeType="tmRoot">
+          <p:childTnLst>
+            <p:seq>
+              <p:cTn id="8" nodeType="mainSeq"/>
               <p:prevCondLst>
                 <p:cond delay="0" evt="onPrev">
                   <p:tgtEl>
@@ -1888,4 +3584,227 @@
     </a:fmtScheme>
   </a:themeElements>
 </a:theme>
+</file>
+
+<file path=ppt/theme/theme2.xml><?xml version="1.0" encoding="utf-8"?>
+<a:theme xmlns:a="http://schemas.openxmlformats.org/drawingml/2006/main" name="Office Theme">
+  <a:themeElements>
+    <a:clrScheme name="Office">
+      <a:dk1>
+        <a:sysClr val="windowText" lastClr="000000"/>
+      </a:dk1>
+      <a:lt1>
+        <a:sysClr val="window" lastClr="FFFFFF"/>
+      </a:lt1>
+      <a:dk2>
+        <a:srgbClr val="1F497D"/>
+      </a:dk2>
+      <a:lt2>
+        <a:srgbClr val="EEECE1"/>
+      </a:lt2>
+      <a:accent1>
+        <a:srgbClr val="4F81BD"/>
+      </a:accent1>
+      <a:accent2>
+        <a:srgbClr val="C0504D"/>
+      </a:accent2>
+      <a:accent3>
+        <a:srgbClr val="9BBB59"/>
+      </a:accent3>
+      <a:accent4>
+        <a:srgbClr val="8064A2"/>
+      </a:accent4>
+      <a:accent5>
+        <a:srgbClr val="4BACC6"/>
+      </a:accent5>
+      <a:accent6>
+        <a:srgbClr val="F79646"/>
+      </a:accent6>
+      <a:hlink>
+        <a:srgbClr val="0000FF"/>
+      </a:hlink>
+      <a:folHlink>
+        <a:srgbClr val="800080"/>
+      </a:folHlink>
+    </a:clrScheme>
+    <a:fontScheme name="Office">
+      <a:majorFont>
+        <a:latin typeface="Arial"/>
+        <a:ea typeface="DejaVu Sans"/>
+        <a:cs typeface="DejaVu Sans"/>
+      </a:majorFont>
+      <a:minorFont>
+        <a:latin typeface="Arial"/>
+        <a:ea typeface="DejaVu Sans"/>
+        <a:cs typeface="DejaVu Sans"/>
+      </a:minorFont>
+    </a:fontScheme>
+    <a:fmtScheme name="Office">
+      <a:fillStyleLst>
+        <a:solidFill>
+          <a:schemeClr val="phClr"/>
+        </a:solidFill>
+        <a:gradFill rotWithShape="1">
+          <a:gsLst>
+            <a:gs pos="0">
+              <a:schemeClr val="phClr">
+                <a:tint val="50000"/>
+                <a:satMod val="300000"/>
+              </a:schemeClr>
+            </a:gs>
+            <a:gs pos="35000">
+              <a:schemeClr val="phClr">
+                <a:tint val="37000"/>
+                <a:satMod val="300000"/>
+              </a:schemeClr>
+            </a:gs>
+            <a:gs pos="100000">
+              <a:schemeClr val="phClr">
+                <a:tint val="15000"/>
+                <a:satMod val="350000"/>
+              </a:schemeClr>
+            </a:gs>
+          </a:gsLst>
+          <a:lin ang="16200000" scaled="1"/>
+        </a:gradFill>
+        <a:gradFill rotWithShape="1">
+          <a:gsLst>
+            <a:gs pos="0">
+              <a:schemeClr val="phClr">
+                <a:shade val="51000"/>
+                <a:satMod val="130000"/>
+              </a:schemeClr>
+            </a:gs>
+            <a:gs pos="80000">
+              <a:schemeClr val="phClr">
+                <a:shade val="93000"/>
+                <a:satMod val="130000"/>
+              </a:schemeClr>
+            </a:gs>
+            <a:gs pos="100000">
+              <a:schemeClr val="phClr">
+                <a:shade val="94000"/>
+                <a:satMod val="135000"/>
+              </a:schemeClr>
+            </a:gs>
+          </a:gsLst>
+          <a:lin ang="16200000" scaled="0"/>
+        </a:gradFill>
+      </a:fillStyleLst>
+      <a:lnStyleLst>
+        <a:ln w="9525" cap="flat" cmpd="sng" algn="ctr">
+          <a:solidFill>
+            <a:schemeClr val="phClr">
+              <a:shade val="95000"/>
+              <a:satMod val="105000"/>
+            </a:schemeClr>
+          </a:solidFill>
+          <a:prstDash val="solid"/>
+        </a:ln>
+        <a:ln w="25400" cap="flat" cmpd="sng" algn="ctr">
+          <a:solidFill>
+            <a:schemeClr val="phClr"/>
+          </a:solidFill>
+          <a:prstDash val="solid"/>
+        </a:ln>
+        <a:ln w="38100" cap="flat" cmpd="sng" algn="ctr">
+          <a:solidFill>
+            <a:schemeClr val="phClr"/>
+          </a:solidFill>
+          <a:prstDash val="solid"/>
+        </a:ln>
+      </a:lnStyleLst>
+      <a:effectStyleLst>
+        <a:effectStyle>
+          <a:effectLst>
+            <a:outerShdw blurRad="40000" dist="20000" dir="5400000" rotWithShape="0">
+              <a:srgbClr val="000000">
+                <a:alpha val="38000"/>
+              </a:srgbClr>
+            </a:outerShdw>
+          </a:effectLst>
+        </a:effectStyle>
+        <a:effectStyle>
+          <a:effectLst>
+            <a:outerShdw blurRad="40000" dist="23000" dir="5400000" rotWithShape="0">
+              <a:srgbClr val="000000">
+                <a:alpha val="35000"/>
+              </a:srgbClr>
+            </a:outerShdw>
+          </a:effectLst>
+        </a:effectStyle>
+        <a:effectStyle>
+          <a:effectLst>
+            <a:outerShdw blurRad="40000" dist="23000" dir="5400000" rotWithShape="0">
+              <a:srgbClr val="000000">
+                <a:alpha val="35000"/>
+              </a:srgbClr>
+            </a:outerShdw>
+          </a:effectLst>
+          <a:scene3d>
+            <a:camera prst="orthographicFront">
+              <a:rot lat="0" lon="0" rev="0"/>
+            </a:camera>
+            <a:lightRig rig="threePt" dir="t">
+              <a:rot lat="0" lon="0" rev="1200000"/>
+            </a:lightRig>
+          </a:scene3d>
+          <a:sp3d>
+            <a:bevelT w="63500" h="25400"/>
+          </a:sp3d>
+        </a:effectStyle>
+      </a:effectStyleLst>
+      <a:bgFillStyleLst>
+        <a:solidFill>
+          <a:schemeClr val="phClr"/>
+        </a:solidFill>
+        <a:gradFill rotWithShape="1">
+          <a:gsLst>
+            <a:gs pos="0">
+              <a:schemeClr val="phClr">
+                <a:tint val="40000"/>
+                <a:satMod val="350000"/>
+              </a:schemeClr>
+            </a:gs>
+            <a:gs pos="40000">
+              <a:schemeClr val="phClr">
+                <a:tint val="45000"/>
+                <a:shade val="99000"/>
+                <a:satMod val="350000"/>
+              </a:schemeClr>
+            </a:gs>
+            <a:gs pos="100000">
+              <a:schemeClr val="phClr">
+                <a:shade val="20000"/>
+                <a:satMod val="255000"/>
+              </a:schemeClr>
+            </a:gs>
+          </a:gsLst>
+          <a:path path="circle">
+            <a:fillToRect l="50000" t="-80000" r="50000" b="180000"/>
+          </a:path>
+        </a:gradFill>
+        <a:gradFill rotWithShape="1">
+          <a:gsLst>
+            <a:gs pos="0">
+              <a:schemeClr val="phClr">
+                <a:tint val="80000"/>
+                <a:satMod val="300000"/>
+              </a:schemeClr>
+            </a:gs>
+            <a:gs pos="100000">
+              <a:schemeClr val="phClr">
+                <a:shade val="30000"/>
+                <a:satMod val="200000"/>
+              </a:schemeClr>
+            </a:gs>
+          </a:gsLst>
+          <a:path path="circle">
+            <a:fillToRect l="50000" t="50000" r="50000" b="50000"/>
+          </a:path>
+        </a:gradFill>
+      </a:bgFillStyleLst>
+    </a:fmtScheme>
+  </a:themeElements>
+</a:theme>
 </file>